--- a/img/post/Natural-Language-Processing/course2/formula.pptx
+++ b/img/post/Natural-Language-Processing/course2/formula.pptx
@@ -12,6 +12,9 @@
     <p:sldId id="261" r:id="rId6"/>
     <p:sldId id="260" r:id="rId7"/>
     <p:sldId id="262" r:id="rId8"/>
+    <p:sldId id="263" r:id="rId9"/>
+    <p:sldId id="265" r:id="rId10"/>
+    <p:sldId id="264" r:id="rId11"/>
   </p:sldIdLst>
   <p:sldSz cx="12192000" cy="6858000"/>
   <p:notesSz cx="6858000" cy="9144000"/>
@@ -3361,6 +3364,86 @@
     <p:extLst>
       <p:ext uri="{BB962C8B-B14F-4D97-AF65-F5344CB8AC3E}">
         <p14:creationId xmlns:p14="http://schemas.microsoft.com/office/powerpoint/2010/main" val="2535316846"/>
+      </p:ext>
+    </p:extLst>
+  </p:cSld>
+  <p:clrMapOvr>
+    <a:masterClrMapping/>
+  </p:clrMapOvr>
+</p:sld>
+</file>
+
+<file path=ppt/slides/slide10.xml><?xml version="1.0" encoding="utf-8"?>
+<p:sld xmlns:a="http://schemas.openxmlformats.org/drawingml/2006/main" xmlns:r="http://schemas.openxmlformats.org/officeDocument/2006/relationships" xmlns:p="http://schemas.openxmlformats.org/presentationml/2006/main">
+  <p:cSld>
+    <p:spTree>
+      <p:nvGrpSpPr>
+        <p:cNvPr id="1" name=""/>
+        <p:cNvGrpSpPr/>
+        <p:nvPr/>
+      </p:nvGrpSpPr>
+      <p:grpSpPr>
+        <a:xfrm>
+          <a:off x="0" y="0"/>
+          <a:ext cx="0" cy="0"/>
+          <a:chOff x="0" y="0"/>
+          <a:chExt cx="0" cy="0"/>
+        </a:xfrm>
+      </p:grpSpPr>
+      <p:sp>
+        <p:nvSpPr>
+          <p:cNvPr id="2" name="Title 1">
+            <a:extLst>
+              <a:ext uri="{FF2B5EF4-FFF2-40B4-BE49-F238E27FC236}">
+                <a16:creationId xmlns:a16="http://schemas.microsoft.com/office/drawing/2014/main" id="{4C4D0B26-674D-AB41-A2AA-F2E0F372A631}"/>
+              </a:ext>
+            </a:extLst>
+          </p:cNvPr>
+          <p:cNvSpPr>
+            <a:spLocks noGrp="1"/>
+          </p:cNvSpPr>
+          <p:nvPr>
+            <p:ph type="title"/>
+          </p:nvPr>
+        </p:nvSpPr>
+        <p:spPr/>
+        <p:txBody>
+          <a:bodyPr/>
+          <a:lstStyle/>
+          <a:p>
+            <a:endParaRPr lang="en-US"/>
+          </a:p>
+        </p:txBody>
+      </p:sp>
+      <p:sp>
+        <p:nvSpPr>
+          <p:cNvPr id="3" name="Content Placeholder 2">
+            <a:extLst>
+              <a:ext uri="{FF2B5EF4-FFF2-40B4-BE49-F238E27FC236}">
+                <a16:creationId xmlns:a16="http://schemas.microsoft.com/office/drawing/2014/main" id="{F1F99A70-B2C6-A042-B9AD-906398CE46FD}"/>
+              </a:ext>
+            </a:extLst>
+          </p:cNvPr>
+          <p:cNvSpPr>
+            <a:spLocks noGrp="1"/>
+          </p:cNvSpPr>
+          <p:nvPr>
+            <p:ph idx="1"/>
+          </p:nvPr>
+        </p:nvSpPr>
+        <p:spPr/>
+        <p:txBody>
+          <a:bodyPr/>
+          <a:lstStyle/>
+          <a:p>
+            <a:endParaRPr lang="en-US"/>
+          </a:p>
+        </p:txBody>
+      </p:sp>
+    </p:spTree>
+    <p:extLst>
+      <p:ext uri="{BB962C8B-B14F-4D97-AF65-F5344CB8AC3E}">
+        <p14:creationId xmlns:p14="http://schemas.microsoft.com/office/powerpoint/2010/main" val="957983119"/>
       </p:ext>
     </p:extLst>
   </p:cSld>
@@ -23285,10 +23368,2870 @@
           </a:p>
         </p:txBody>
       </p:sp>
+      <p:cxnSp>
+        <p:nvCxnSpPr>
+          <p:cNvPr id="75" name="Straight Arrow Connector 74">
+            <a:extLst>
+              <a:ext uri="{FF2B5EF4-FFF2-40B4-BE49-F238E27FC236}">
+                <a16:creationId xmlns:a16="http://schemas.microsoft.com/office/drawing/2014/main" id="{A6F7E1E6-F651-2241-97BB-1E1F2EFD82B0}"/>
+              </a:ext>
+            </a:extLst>
+          </p:cNvPr>
+          <p:cNvCxnSpPr>
+            <a:cxnSpLocks/>
+            <a:stCxn id="23" idx="2"/>
+            <a:endCxn id="24" idx="0"/>
+          </p:cNvCxnSpPr>
+          <p:nvPr/>
+        </p:nvCxnSpPr>
+        <p:spPr>
+          <a:xfrm flipH="1">
+            <a:off x="2601280" y="3278564"/>
+            <a:ext cx="10964" cy="1159419"/>
+          </a:xfrm>
+          <a:prstGeom prst="straightConnector1">
+            <a:avLst/>
+          </a:prstGeom>
+          <a:ln>
+            <a:headEnd type="triangle"/>
+            <a:tailEnd type="triangle"/>
+          </a:ln>
+        </p:spPr>
+        <p:style>
+          <a:lnRef idx="1">
+            <a:schemeClr val="accent1"/>
+          </a:lnRef>
+          <a:fillRef idx="0">
+            <a:schemeClr val="accent1"/>
+          </a:fillRef>
+          <a:effectRef idx="0">
+            <a:schemeClr val="accent1"/>
+          </a:effectRef>
+          <a:fontRef idx="minor">
+            <a:schemeClr val="tx1"/>
+          </a:fontRef>
+        </p:style>
+      </p:cxnSp>
+      <p:cxnSp>
+        <p:nvCxnSpPr>
+          <p:cNvPr id="77" name="Straight Arrow Connector 76">
+            <a:extLst>
+              <a:ext uri="{FF2B5EF4-FFF2-40B4-BE49-F238E27FC236}">
+                <a16:creationId xmlns:a16="http://schemas.microsoft.com/office/drawing/2014/main" id="{79C6614D-2F8F-914C-945D-41ADC08F7402}"/>
+              </a:ext>
+            </a:extLst>
+          </p:cNvPr>
+          <p:cNvCxnSpPr>
+            <a:cxnSpLocks/>
+            <a:stCxn id="22" idx="2"/>
+          </p:cNvCxnSpPr>
+          <p:nvPr/>
+        </p:nvCxnSpPr>
+        <p:spPr>
+          <a:xfrm flipH="1">
+            <a:off x="2580876" y="1795978"/>
+            <a:ext cx="7884" cy="878443"/>
+          </a:xfrm>
+          <a:prstGeom prst="straightConnector1">
+            <a:avLst/>
+          </a:prstGeom>
+          <a:ln>
+            <a:headEnd type="triangle"/>
+            <a:tailEnd type="triangle"/>
+          </a:ln>
+        </p:spPr>
+        <p:style>
+          <a:lnRef idx="1">
+            <a:schemeClr val="accent1"/>
+          </a:lnRef>
+          <a:fillRef idx="0">
+            <a:schemeClr val="accent1"/>
+          </a:fillRef>
+          <a:effectRef idx="0">
+            <a:schemeClr val="accent1"/>
+          </a:effectRef>
+          <a:fontRef idx="minor">
+            <a:schemeClr val="tx1"/>
+          </a:fontRef>
+        </p:style>
+      </p:cxnSp>
+      <p:sp>
+        <p:nvSpPr>
+          <p:cNvPr id="80" name="TextBox 79">
+            <a:extLst>
+              <a:ext uri="{FF2B5EF4-FFF2-40B4-BE49-F238E27FC236}">
+                <a16:creationId xmlns:a16="http://schemas.microsoft.com/office/drawing/2014/main" id="{65DC32C0-A9E3-6E41-ACEE-1165D2154546}"/>
+              </a:ext>
+            </a:extLst>
+          </p:cNvPr>
+          <p:cNvSpPr txBox="1"/>
+          <p:nvPr/>
+        </p:nvSpPr>
+        <p:spPr>
+          <a:xfrm>
+            <a:off x="2164447" y="1952837"/>
+            <a:ext cx="2415538" cy="369332"/>
+          </a:xfrm>
+          <a:prstGeom prst="rect">
+            <a:avLst/>
+          </a:prstGeom>
+          <a:noFill/>
+        </p:spPr>
+        <p:txBody>
+          <a:bodyPr wrap="square" rtlCol="0">
+            <a:spAutoFit/>
+          </a:bodyPr>
+          <a:lstStyle/>
+          <a:p>
+            <a:r>
+              <a:rPr lang="en-US" dirty="0"/>
+              <a:t>May</a:t>
+            </a:r>
+            <a:r>
+              <a:rPr lang="en-US" altLang="zh-CN" dirty="0"/>
+              <a:t>be</a:t>
+            </a:r>
+            <a:r>
+              <a:rPr lang="zh-CN" altLang="en-US" dirty="0"/>
+              <a:t> </a:t>
+            </a:r>
+            <a:r>
+              <a:rPr lang="en-US" altLang="zh-CN" dirty="0"/>
+              <a:t>the</a:t>
+            </a:r>
+            <a:r>
+              <a:rPr lang="zh-CN" altLang="en-US" dirty="0"/>
+              <a:t> </a:t>
+            </a:r>
+            <a:r>
+              <a:rPr lang="en-US" altLang="zh-CN" dirty="0"/>
+              <a:t>same</a:t>
+            </a:r>
+            <a:r>
+              <a:rPr lang="zh-CN" altLang="en-US" dirty="0"/>
+              <a:t> </a:t>
+            </a:r>
+            <a:r>
+              <a:rPr lang="en-US" altLang="zh-CN" dirty="0"/>
+              <a:t>dense</a:t>
+            </a:r>
+            <a:endParaRPr lang="en-US" dirty="0"/>
+          </a:p>
+        </p:txBody>
+      </p:sp>
+      <p:sp>
+        <p:nvSpPr>
+          <p:cNvPr id="81" name="TextBox 80">
+            <a:extLst>
+              <a:ext uri="{FF2B5EF4-FFF2-40B4-BE49-F238E27FC236}">
+                <a16:creationId xmlns:a16="http://schemas.microsoft.com/office/drawing/2014/main" id="{CC632F52-9E7E-D546-BA78-BFA2DDED4181}"/>
+              </a:ext>
+            </a:extLst>
+          </p:cNvPr>
+          <p:cNvSpPr txBox="1"/>
+          <p:nvPr/>
+        </p:nvSpPr>
+        <p:spPr>
+          <a:xfrm>
+            <a:off x="1952273" y="3613024"/>
+            <a:ext cx="2415538" cy="369332"/>
+          </a:xfrm>
+          <a:prstGeom prst="rect">
+            <a:avLst/>
+          </a:prstGeom>
+          <a:noFill/>
+        </p:spPr>
+        <p:txBody>
+          <a:bodyPr wrap="square" rtlCol="0">
+            <a:spAutoFit/>
+          </a:bodyPr>
+          <a:lstStyle/>
+          <a:p>
+            <a:r>
+              <a:rPr lang="en-US" dirty="0"/>
+              <a:t>May</a:t>
+            </a:r>
+            <a:r>
+              <a:rPr lang="en-US" altLang="zh-CN" dirty="0"/>
+              <a:t>be</a:t>
+            </a:r>
+            <a:r>
+              <a:rPr lang="zh-CN" altLang="en-US" dirty="0"/>
+              <a:t> </a:t>
+            </a:r>
+            <a:r>
+              <a:rPr lang="en-US" altLang="zh-CN" dirty="0"/>
+              <a:t>the</a:t>
+            </a:r>
+            <a:r>
+              <a:rPr lang="zh-CN" altLang="en-US" dirty="0"/>
+              <a:t> </a:t>
+            </a:r>
+            <a:r>
+              <a:rPr lang="en-US" altLang="zh-CN" dirty="0"/>
+              <a:t>same</a:t>
+            </a:r>
+            <a:r>
+              <a:rPr lang="zh-CN" altLang="en-US" dirty="0"/>
+              <a:t> </a:t>
+            </a:r>
+            <a:r>
+              <a:rPr lang="en-US" altLang="zh-CN" dirty="0"/>
+              <a:t>dense</a:t>
+            </a:r>
+            <a:endParaRPr lang="en-US" dirty="0"/>
+          </a:p>
+        </p:txBody>
+      </p:sp>
+      <p:cxnSp>
+        <p:nvCxnSpPr>
+          <p:cNvPr id="82" name="Straight Arrow Connector 81">
+            <a:extLst>
+              <a:ext uri="{FF2B5EF4-FFF2-40B4-BE49-F238E27FC236}">
+                <a16:creationId xmlns:a16="http://schemas.microsoft.com/office/drawing/2014/main" id="{97DD6B4A-EA15-DE48-8AE7-B72E0A93AC32}"/>
+              </a:ext>
+            </a:extLst>
+          </p:cNvPr>
+          <p:cNvCxnSpPr>
+            <a:cxnSpLocks/>
+          </p:cNvCxnSpPr>
+          <p:nvPr/>
+        </p:nvCxnSpPr>
+        <p:spPr>
+          <a:xfrm flipH="1">
+            <a:off x="7834702" y="1985001"/>
+            <a:ext cx="7884" cy="878443"/>
+          </a:xfrm>
+          <a:prstGeom prst="straightConnector1">
+            <a:avLst/>
+          </a:prstGeom>
+          <a:ln>
+            <a:headEnd type="triangle"/>
+            <a:tailEnd type="triangle"/>
+          </a:ln>
+        </p:spPr>
+        <p:style>
+          <a:lnRef idx="1">
+            <a:schemeClr val="accent1"/>
+          </a:lnRef>
+          <a:fillRef idx="0">
+            <a:schemeClr val="accent1"/>
+          </a:fillRef>
+          <a:effectRef idx="0">
+            <a:schemeClr val="accent1"/>
+          </a:effectRef>
+          <a:fontRef idx="minor">
+            <a:schemeClr val="tx1"/>
+          </a:fontRef>
+        </p:style>
+      </p:cxnSp>
+      <p:cxnSp>
+        <p:nvCxnSpPr>
+          <p:cNvPr id="83" name="Straight Arrow Connector 82">
+            <a:extLst>
+              <a:ext uri="{FF2B5EF4-FFF2-40B4-BE49-F238E27FC236}">
+                <a16:creationId xmlns:a16="http://schemas.microsoft.com/office/drawing/2014/main" id="{E9B257F1-60F4-7F40-B5AE-6E019FF171AE}"/>
+              </a:ext>
+            </a:extLst>
+          </p:cNvPr>
+          <p:cNvCxnSpPr>
+            <a:cxnSpLocks/>
+          </p:cNvCxnSpPr>
+          <p:nvPr/>
+        </p:nvCxnSpPr>
+        <p:spPr>
+          <a:xfrm flipH="1">
+            <a:off x="7831622" y="3453051"/>
+            <a:ext cx="10964" cy="1159419"/>
+          </a:xfrm>
+          <a:prstGeom prst="straightConnector1">
+            <a:avLst/>
+          </a:prstGeom>
+          <a:ln>
+            <a:headEnd type="triangle"/>
+            <a:tailEnd type="triangle"/>
+          </a:ln>
+        </p:spPr>
+        <p:style>
+          <a:lnRef idx="1">
+            <a:schemeClr val="accent1"/>
+          </a:lnRef>
+          <a:fillRef idx="0">
+            <a:schemeClr val="accent1"/>
+          </a:fillRef>
+          <a:effectRef idx="0">
+            <a:schemeClr val="accent1"/>
+          </a:effectRef>
+          <a:fontRef idx="minor">
+            <a:schemeClr val="tx1"/>
+          </a:fontRef>
+        </p:style>
+      </p:cxnSp>
+      <p:sp>
+        <p:nvSpPr>
+          <p:cNvPr id="84" name="TextBox 83">
+            <a:extLst>
+              <a:ext uri="{FF2B5EF4-FFF2-40B4-BE49-F238E27FC236}">
+                <a16:creationId xmlns:a16="http://schemas.microsoft.com/office/drawing/2014/main" id="{5DF6C6FA-6119-5B4B-AE57-5EF2E1541414}"/>
+              </a:ext>
+            </a:extLst>
+          </p:cNvPr>
+          <p:cNvSpPr txBox="1"/>
+          <p:nvPr/>
+        </p:nvSpPr>
+        <p:spPr>
+          <a:xfrm>
+            <a:off x="6165875" y="2144563"/>
+            <a:ext cx="2415538" cy="369332"/>
+          </a:xfrm>
+          <a:prstGeom prst="rect">
+            <a:avLst/>
+          </a:prstGeom>
+          <a:noFill/>
+        </p:spPr>
+        <p:txBody>
+          <a:bodyPr wrap="square" rtlCol="0">
+            <a:spAutoFit/>
+          </a:bodyPr>
+          <a:lstStyle/>
+          <a:p>
+            <a:r>
+              <a:rPr lang="en-US" dirty="0"/>
+              <a:t>May</a:t>
+            </a:r>
+            <a:r>
+              <a:rPr lang="en-US" altLang="zh-CN" dirty="0"/>
+              <a:t>be</a:t>
+            </a:r>
+            <a:r>
+              <a:rPr lang="zh-CN" altLang="en-US" dirty="0"/>
+              <a:t> </a:t>
+            </a:r>
+            <a:r>
+              <a:rPr lang="en-US" altLang="zh-CN" dirty="0"/>
+              <a:t>the</a:t>
+            </a:r>
+            <a:r>
+              <a:rPr lang="zh-CN" altLang="en-US" dirty="0"/>
+              <a:t> </a:t>
+            </a:r>
+            <a:r>
+              <a:rPr lang="en-US" altLang="zh-CN" dirty="0"/>
+              <a:t>same</a:t>
+            </a:r>
+            <a:r>
+              <a:rPr lang="zh-CN" altLang="en-US" dirty="0"/>
+              <a:t> </a:t>
+            </a:r>
+            <a:r>
+              <a:rPr lang="en-US" altLang="zh-CN" dirty="0"/>
+              <a:t>dense</a:t>
+            </a:r>
+            <a:endParaRPr lang="en-US" dirty="0"/>
+          </a:p>
+        </p:txBody>
+      </p:sp>
+      <p:sp>
+        <p:nvSpPr>
+          <p:cNvPr id="85" name="TextBox 84">
+            <a:extLst>
+              <a:ext uri="{FF2B5EF4-FFF2-40B4-BE49-F238E27FC236}">
+                <a16:creationId xmlns:a16="http://schemas.microsoft.com/office/drawing/2014/main" id="{786B1668-0FAC-F34F-B555-B7A7930E40EF}"/>
+              </a:ext>
+            </a:extLst>
+          </p:cNvPr>
+          <p:cNvSpPr txBox="1"/>
+          <p:nvPr/>
+        </p:nvSpPr>
+        <p:spPr>
+          <a:xfrm>
+            <a:off x="6190888" y="3787850"/>
+            <a:ext cx="2415538" cy="369332"/>
+          </a:xfrm>
+          <a:prstGeom prst="rect">
+            <a:avLst/>
+          </a:prstGeom>
+          <a:noFill/>
+        </p:spPr>
+        <p:txBody>
+          <a:bodyPr wrap="square" rtlCol="0">
+            <a:spAutoFit/>
+          </a:bodyPr>
+          <a:lstStyle/>
+          <a:p>
+            <a:r>
+              <a:rPr lang="en-US" dirty="0"/>
+              <a:t>May</a:t>
+            </a:r>
+            <a:r>
+              <a:rPr lang="en-US" altLang="zh-CN" dirty="0"/>
+              <a:t>be</a:t>
+            </a:r>
+            <a:r>
+              <a:rPr lang="zh-CN" altLang="en-US" dirty="0"/>
+              <a:t> </a:t>
+            </a:r>
+            <a:r>
+              <a:rPr lang="en-US" altLang="zh-CN" dirty="0"/>
+              <a:t>the</a:t>
+            </a:r>
+            <a:r>
+              <a:rPr lang="zh-CN" altLang="en-US" dirty="0"/>
+              <a:t> </a:t>
+            </a:r>
+            <a:r>
+              <a:rPr lang="en-US" altLang="zh-CN" dirty="0"/>
+              <a:t>same</a:t>
+            </a:r>
+            <a:r>
+              <a:rPr lang="zh-CN" altLang="en-US" dirty="0"/>
+              <a:t> </a:t>
+            </a:r>
+            <a:r>
+              <a:rPr lang="en-US" altLang="zh-CN" dirty="0"/>
+              <a:t>dense</a:t>
+            </a:r>
+            <a:endParaRPr lang="en-US" dirty="0"/>
+          </a:p>
+        </p:txBody>
+      </p:sp>
+      <p:cxnSp>
+        <p:nvCxnSpPr>
+          <p:cNvPr id="89" name="Straight Arrow Connector 88">
+            <a:extLst>
+              <a:ext uri="{FF2B5EF4-FFF2-40B4-BE49-F238E27FC236}">
+                <a16:creationId xmlns:a16="http://schemas.microsoft.com/office/drawing/2014/main" id="{D54A98E0-FBE0-FE4D-BAFA-DEA711FEBBA4}"/>
+              </a:ext>
+            </a:extLst>
+          </p:cNvPr>
+          <p:cNvCxnSpPr/>
+          <p:nvPr/>
+        </p:nvCxnSpPr>
+        <p:spPr>
+          <a:xfrm flipH="1">
+            <a:off x="2730843" y="847165"/>
+            <a:ext cx="641373" cy="415499"/>
+          </a:xfrm>
+          <a:prstGeom prst="straightConnector1">
+            <a:avLst/>
+          </a:prstGeom>
+          <a:ln>
+            <a:tailEnd type="triangle"/>
+          </a:ln>
+        </p:spPr>
+        <p:style>
+          <a:lnRef idx="1">
+            <a:schemeClr val="accent1"/>
+          </a:lnRef>
+          <a:fillRef idx="0">
+            <a:schemeClr val="accent1"/>
+          </a:fillRef>
+          <a:effectRef idx="0">
+            <a:schemeClr val="accent1"/>
+          </a:effectRef>
+          <a:fontRef idx="minor">
+            <a:schemeClr val="tx1"/>
+          </a:fontRef>
+        </p:style>
+      </p:cxnSp>
+      <p:sp>
+        <p:nvSpPr>
+          <p:cNvPr id="90" name="TextBox 89">
+            <a:extLst>
+              <a:ext uri="{FF2B5EF4-FFF2-40B4-BE49-F238E27FC236}">
+                <a16:creationId xmlns:a16="http://schemas.microsoft.com/office/drawing/2014/main" id="{CE44AF20-BEB3-DF42-94F5-5E055ECE7789}"/>
+              </a:ext>
+            </a:extLst>
+          </p:cNvPr>
+          <p:cNvSpPr txBox="1"/>
+          <p:nvPr/>
+        </p:nvSpPr>
+        <p:spPr>
+          <a:xfrm>
+            <a:off x="2996192" y="190682"/>
+            <a:ext cx="3254228" cy="646331"/>
+          </a:xfrm>
+          <a:prstGeom prst="rect">
+            <a:avLst/>
+          </a:prstGeom>
+          <a:noFill/>
+        </p:spPr>
+        <p:txBody>
+          <a:bodyPr wrap="square" rtlCol="0">
+            <a:spAutoFit/>
+          </a:bodyPr>
+          <a:lstStyle/>
+          <a:p>
+            <a:r>
+              <a:rPr lang="en-US" altLang="zh-CN" dirty="0"/>
+              <a:t>Dense</a:t>
+            </a:r>
+            <a:r>
+              <a:rPr lang="zh-CN" altLang="en-US" dirty="0"/>
+              <a:t> </a:t>
+            </a:r>
+            <a:r>
+              <a:rPr lang="en-US" altLang="zh-CN" dirty="0"/>
+              <a:t>layer</a:t>
+            </a:r>
+            <a:r>
+              <a:rPr lang="zh-CN" altLang="en-US" dirty="0"/>
+              <a:t> </a:t>
+            </a:r>
+            <a:r>
+              <a:rPr lang="en-US" altLang="zh-CN" dirty="0"/>
+              <a:t>can</a:t>
+            </a:r>
+            <a:r>
+              <a:rPr lang="zh-CN" altLang="en-US" dirty="0"/>
+              <a:t> </a:t>
+            </a:r>
+            <a:r>
+              <a:rPr lang="en-US" altLang="zh-CN" dirty="0"/>
+              <a:t>be</a:t>
+            </a:r>
+            <a:r>
+              <a:rPr lang="zh-CN" altLang="en-US" dirty="0"/>
+              <a:t> </a:t>
+            </a:r>
+            <a:r>
+              <a:rPr lang="en-US" altLang="zh-CN" dirty="0"/>
+              <a:t>positional</a:t>
+            </a:r>
+            <a:r>
+              <a:rPr lang="zh-CN" altLang="en-US" dirty="0"/>
+              <a:t> </a:t>
+            </a:r>
+            <a:r>
+              <a:rPr lang="en-US" altLang="zh-CN" dirty="0"/>
+              <a:t>Encoding</a:t>
+            </a:r>
+            <a:r>
+              <a:rPr lang="zh-CN" altLang="en-US" dirty="0"/>
+              <a:t> </a:t>
+            </a:r>
+            <a:r>
+              <a:rPr lang="en-US" altLang="zh-CN" dirty="0"/>
+              <a:t>layer</a:t>
+            </a:r>
+            <a:endParaRPr lang="en-US" dirty="0"/>
+          </a:p>
+        </p:txBody>
+      </p:sp>
     </p:spTree>
     <p:extLst>
       <p:ext uri="{BB962C8B-B14F-4D97-AF65-F5344CB8AC3E}">
         <p14:creationId xmlns:p14="http://schemas.microsoft.com/office/powerpoint/2010/main" val="4020333164"/>
+      </p:ext>
+    </p:extLst>
+  </p:cSld>
+  <p:clrMapOvr>
+    <a:masterClrMapping/>
+  </p:clrMapOvr>
+</p:sld>
+</file>
+
+<file path=ppt/slides/slide8.xml><?xml version="1.0" encoding="utf-8"?>
+<p:sld xmlns:a="http://schemas.openxmlformats.org/drawingml/2006/main" xmlns:r="http://schemas.openxmlformats.org/officeDocument/2006/relationships" xmlns:p="http://schemas.openxmlformats.org/presentationml/2006/main">
+  <p:cSld>
+    <p:spTree>
+      <p:nvGrpSpPr>
+        <p:cNvPr id="1" name=""/>
+        <p:cNvGrpSpPr/>
+        <p:nvPr/>
+      </p:nvGrpSpPr>
+      <p:grpSpPr>
+        <a:xfrm>
+          <a:off x="0" y="0"/>
+          <a:ext cx="0" cy="0"/>
+          <a:chOff x="0" y="0"/>
+          <a:chExt cx="0" cy="0"/>
+        </a:xfrm>
+      </p:grpSpPr>
+      <p:sp>
+        <p:nvSpPr>
+          <p:cNvPr id="4" name="Rectangle 3">
+            <a:extLst>
+              <a:ext uri="{FF2B5EF4-FFF2-40B4-BE49-F238E27FC236}">
+                <a16:creationId xmlns:a16="http://schemas.microsoft.com/office/drawing/2014/main" id="{DCD560A7-4A83-BA43-80B4-075DBE20E6DA}"/>
+              </a:ext>
+            </a:extLst>
+          </p:cNvPr>
+          <p:cNvSpPr/>
+          <p:nvPr/>
+        </p:nvSpPr>
+        <p:spPr>
+          <a:xfrm>
+            <a:off x="4517941" y="1241756"/>
+            <a:ext cx="2265405" cy="716692"/>
+          </a:xfrm>
+          <a:prstGeom prst="rect">
+            <a:avLst/>
+          </a:prstGeom>
+          <a:noFill/>
+          <a:ln>
+            <a:solidFill>
+              <a:srgbClr val="FFC000"/>
+            </a:solidFill>
+          </a:ln>
+        </p:spPr>
+        <p:style>
+          <a:lnRef idx="2">
+            <a:schemeClr val="accent1">
+              <a:shade val="50000"/>
+            </a:schemeClr>
+          </a:lnRef>
+          <a:fillRef idx="1">
+            <a:schemeClr val="accent1"/>
+          </a:fillRef>
+          <a:effectRef idx="0">
+            <a:schemeClr val="accent1"/>
+          </a:effectRef>
+          <a:fontRef idx="minor">
+            <a:schemeClr val="lt1"/>
+          </a:fontRef>
+        </p:style>
+        <p:txBody>
+          <a:bodyPr rtlCol="0" anchor="ctr"/>
+          <a:lstStyle/>
+          <a:p>
+            <a:pPr algn="ctr"/>
+            <a:endParaRPr lang="en-US"/>
+          </a:p>
+        </p:txBody>
+      </p:sp>
+      <p:sp>
+        <p:nvSpPr>
+          <p:cNvPr id="5" name="Rectangle 4">
+            <a:extLst>
+              <a:ext uri="{FF2B5EF4-FFF2-40B4-BE49-F238E27FC236}">
+                <a16:creationId xmlns:a16="http://schemas.microsoft.com/office/drawing/2014/main" id="{EA7A702D-CC8F-1B43-A365-3BEB182BA479}"/>
+              </a:ext>
+            </a:extLst>
+          </p:cNvPr>
+          <p:cNvSpPr/>
+          <p:nvPr/>
+        </p:nvSpPr>
+        <p:spPr>
+          <a:xfrm>
+            <a:off x="1869988" y="2858529"/>
+            <a:ext cx="3852953" cy="716693"/>
+          </a:xfrm>
+          <a:prstGeom prst="rect">
+            <a:avLst/>
+          </a:prstGeom>
+          <a:noFill/>
+          <a:ln>
+            <a:solidFill>
+              <a:srgbClr val="FFC000"/>
+            </a:solidFill>
+          </a:ln>
+        </p:spPr>
+        <p:style>
+          <a:lnRef idx="2">
+            <a:schemeClr val="accent1">
+              <a:shade val="50000"/>
+            </a:schemeClr>
+          </a:lnRef>
+          <a:fillRef idx="1">
+            <a:schemeClr val="accent1"/>
+          </a:fillRef>
+          <a:effectRef idx="0">
+            <a:schemeClr val="accent1"/>
+          </a:effectRef>
+          <a:fontRef idx="minor">
+            <a:schemeClr val="lt1"/>
+          </a:fontRef>
+        </p:style>
+        <p:txBody>
+          <a:bodyPr rtlCol="0" anchor="ctr"/>
+          <a:lstStyle/>
+          <a:p>
+            <a:pPr algn="ctr"/>
+            <a:endParaRPr lang="en-US"/>
+          </a:p>
+        </p:txBody>
+      </p:sp>
+      <p:sp>
+        <p:nvSpPr>
+          <p:cNvPr id="6" name="Rectangle 5">
+            <a:extLst>
+              <a:ext uri="{FF2B5EF4-FFF2-40B4-BE49-F238E27FC236}">
+                <a16:creationId xmlns:a16="http://schemas.microsoft.com/office/drawing/2014/main" id="{7ED945C4-CB67-154C-9296-A90EA3FD4B34}"/>
+              </a:ext>
+            </a:extLst>
+          </p:cNvPr>
+          <p:cNvSpPr/>
+          <p:nvPr/>
+        </p:nvSpPr>
+        <p:spPr>
+          <a:xfrm>
+            <a:off x="6096000" y="2858529"/>
+            <a:ext cx="3852953" cy="716693"/>
+          </a:xfrm>
+          <a:prstGeom prst="rect">
+            <a:avLst/>
+          </a:prstGeom>
+          <a:noFill/>
+          <a:ln>
+            <a:solidFill>
+              <a:srgbClr val="FFC000"/>
+            </a:solidFill>
+          </a:ln>
+        </p:spPr>
+        <p:style>
+          <a:lnRef idx="2">
+            <a:schemeClr val="accent1">
+              <a:shade val="50000"/>
+            </a:schemeClr>
+          </a:lnRef>
+          <a:fillRef idx="1">
+            <a:schemeClr val="accent1"/>
+          </a:fillRef>
+          <a:effectRef idx="0">
+            <a:schemeClr val="accent1"/>
+          </a:effectRef>
+          <a:fontRef idx="minor">
+            <a:schemeClr val="lt1"/>
+          </a:fontRef>
+        </p:style>
+        <p:txBody>
+          <a:bodyPr rtlCol="0" anchor="ctr"/>
+          <a:lstStyle/>
+          <a:p>
+            <a:pPr algn="ctr"/>
+            <a:endParaRPr lang="en-US"/>
+          </a:p>
+        </p:txBody>
+      </p:sp>
+      <p:cxnSp>
+        <p:nvCxnSpPr>
+          <p:cNvPr id="8" name="Straight Arrow Connector 7">
+            <a:extLst>
+              <a:ext uri="{FF2B5EF4-FFF2-40B4-BE49-F238E27FC236}">
+                <a16:creationId xmlns:a16="http://schemas.microsoft.com/office/drawing/2014/main" id="{A0AAB5AB-26B7-E345-98F9-5DC62E31C94D}"/>
+              </a:ext>
+            </a:extLst>
+          </p:cNvPr>
+          <p:cNvCxnSpPr>
+            <a:cxnSpLocks/>
+            <a:stCxn id="4" idx="2"/>
+            <a:endCxn id="5" idx="0"/>
+          </p:cNvCxnSpPr>
+          <p:nvPr/>
+        </p:nvCxnSpPr>
+        <p:spPr>
+          <a:xfrm flipH="1">
+            <a:off x="3796465" y="1958448"/>
+            <a:ext cx="1854179" cy="900081"/>
+          </a:xfrm>
+          <a:prstGeom prst="straightConnector1">
+            <a:avLst/>
+          </a:prstGeom>
+          <a:ln>
+            <a:tailEnd type="triangle"/>
+          </a:ln>
+        </p:spPr>
+        <p:style>
+          <a:lnRef idx="1">
+            <a:schemeClr val="accent1"/>
+          </a:lnRef>
+          <a:fillRef idx="0">
+            <a:schemeClr val="accent1"/>
+          </a:fillRef>
+          <a:effectRef idx="0">
+            <a:schemeClr val="accent1"/>
+          </a:effectRef>
+          <a:fontRef idx="minor">
+            <a:schemeClr val="tx1"/>
+          </a:fontRef>
+        </p:style>
+      </p:cxnSp>
+      <p:cxnSp>
+        <p:nvCxnSpPr>
+          <p:cNvPr id="11" name="Straight Arrow Connector 10">
+            <a:extLst>
+              <a:ext uri="{FF2B5EF4-FFF2-40B4-BE49-F238E27FC236}">
+                <a16:creationId xmlns:a16="http://schemas.microsoft.com/office/drawing/2014/main" id="{DAF4F0BF-8450-1D49-914C-ADC410109631}"/>
+              </a:ext>
+            </a:extLst>
+          </p:cNvPr>
+          <p:cNvCxnSpPr>
+            <a:cxnSpLocks/>
+            <a:stCxn id="4" idx="2"/>
+            <a:endCxn id="6" idx="0"/>
+          </p:cNvCxnSpPr>
+          <p:nvPr/>
+        </p:nvCxnSpPr>
+        <p:spPr>
+          <a:xfrm>
+            <a:off x="5650644" y="1958448"/>
+            <a:ext cx="2371833" cy="900081"/>
+          </a:xfrm>
+          <a:prstGeom prst="straightConnector1">
+            <a:avLst/>
+          </a:prstGeom>
+          <a:ln>
+            <a:tailEnd type="triangle"/>
+          </a:ln>
+        </p:spPr>
+        <p:style>
+          <a:lnRef idx="1">
+            <a:schemeClr val="accent1"/>
+          </a:lnRef>
+          <a:fillRef idx="0">
+            <a:schemeClr val="accent1"/>
+          </a:fillRef>
+          <a:effectRef idx="0">
+            <a:schemeClr val="accent1"/>
+          </a:effectRef>
+          <a:fontRef idx="minor">
+            <a:schemeClr val="tx1"/>
+          </a:fontRef>
+        </p:style>
+      </p:cxnSp>
+      <p:sp>
+        <p:nvSpPr>
+          <p:cNvPr id="15" name="TextBox 14">
+            <a:extLst>
+              <a:ext uri="{FF2B5EF4-FFF2-40B4-BE49-F238E27FC236}">
+                <a16:creationId xmlns:a16="http://schemas.microsoft.com/office/drawing/2014/main" id="{76C7C6A3-D68E-774F-B08F-37A6DAD668A8}"/>
+              </a:ext>
+            </a:extLst>
+          </p:cNvPr>
+          <p:cNvSpPr txBox="1"/>
+          <p:nvPr/>
+        </p:nvSpPr>
+        <p:spPr>
+          <a:xfrm>
+            <a:off x="2067698" y="2986216"/>
+            <a:ext cx="1157416" cy="442784"/>
+          </a:xfrm>
+          <a:prstGeom prst="rect">
+            <a:avLst/>
+          </a:prstGeom>
+          <a:noFill/>
+        </p:spPr>
+        <p:txBody>
+          <a:bodyPr wrap="square" rtlCol="0">
+            <a:spAutoFit/>
+          </a:bodyPr>
+          <a:lstStyle/>
+          <a:p>
+            <a:endParaRPr lang="en-US" dirty="0"/>
+          </a:p>
+        </p:txBody>
+      </p:sp>
+      <p:sp>
+        <p:nvSpPr>
+          <p:cNvPr id="16" name="TextBox 15">
+            <a:extLst>
+              <a:ext uri="{FF2B5EF4-FFF2-40B4-BE49-F238E27FC236}">
+                <a16:creationId xmlns:a16="http://schemas.microsoft.com/office/drawing/2014/main" id="{0598E293-AF40-794D-B54E-5CDA328CF142}"/>
+              </a:ext>
+            </a:extLst>
+          </p:cNvPr>
+          <p:cNvSpPr txBox="1"/>
+          <p:nvPr/>
+        </p:nvSpPr>
+        <p:spPr>
+          <a:xfrm>
+            <a:off x="4653348" y="1426973"/>
+            <a:ext cx="1583725" cy="369332"/>
+          </a:xfrm>
+          <a:prstGeom prst="rect">
+            <a:avLst/>
+          </a:prstGeom>
+          <a:noFill/>
+        </p:spPr>
+        <p:txBody>
+          <a:bodyPr wrap="square" rtlCol="0">
+            <a:spAutoFit/>
+          </a:bodyPr>
+          <a:lstStyle/>
+          <a:p>
+            <a:r>
+              <a:rPr lang="en-US" altLang="zh-CN" dirty="0"/>
+              <a:t>Income</a:t>
+            </a:r>
+            <a:r>
+              <a:rPr lang="zh-CN" altLang="en-US" dirty="0"/>
+              <a:t> </a:t>
+            </a:r>
+            <a:r>
+              <a:rPr lang="en-US" altLang="zh-CN" dirty="0"/>
+              <a:t>&lt;</a:t>
+            </a:r>
+            <a:r>
+              <a:rPr lang="zh-CN" altLang="en-US" dirty="0"/>
+              <a:t> </a:t>
+            </a:r>
+            <a:r>
+              <a:rPr lang="en-US" altLang="zh-CN" dirty="0"/>
+              <a:t>5000</a:t>
+            </a:r>
+            <a:endParaRPr lang="en-US" dirty="0"/>
+          </a:p>
+        </p:txBody>
+      </p:sp>
+      <mc:AlternateContent xmlns:mc="http://schemas.openxmlformats.org/markup-compatibility/2006">
+        <mc:Choice xmlns:a14="http://schemas.microsoft.com/office/drawing/2010/main" Requires="a14">
+          <p:sp>
+            <p:nvSpPr>
+              <p:cNvPr id="18" name="TextBox 17">
+                <a:extLst>
+                  <a:ext uri="{FF2B5EF4-FFF2-40B4-BE49-F238E27FC236}">
+                    <a16:creationId xmlns:a16="http://schemas.microsoft.com/office/drawing/2014/main" id="{BAEBACA4-F033-044E-8699-E8A9161C9DDA}"/>
+                  </a:ext>
+                </a:extLst>
+              </p:cNvPr>
+              <p:cNvSpPr txBox="1"/>
+              <p:nvPr/>
+            </p:nvSpPr>
+            <p:spPr>
+              <a:xfrm>
+                <a:off x="6316099" y="3076341"/>
+                <a:ext cx="3632854" cy="425437"/>
+              </a:xfrm>
+              <a:prstGeom prst="rect">
+                <a:avLst/>
+              </a:prstGeom>
+              <a:noFill/>
+            </p:spPr>
+            <p:txBody>
+              <a:bodyPr wrap="none" lIns="0" tIns="0" rIns="0" bIns="0" rtlCol="0">
+                <a:spAutoFit/>
+              </a:bodyPr>
+              <a:lstStyle/>
+              <a:p>
+                <a:r>
+                  <a:rPr lang="en-US" altLang="zh-CN" b="0" dirty="0"/>
+                  <a:t>Avg2</a:t>
+                </a:r>
+                <a:r>
+                  <a:rPr lang="zh-CN" altLang="en-US" b="0" dirty="0"/>
+                  <a:t> </a:t>
+                </a:r>
+                <a:r>
+                  <a:rPr lang="en-US" altLang="zh-CN" b="0" dirty="0"/>
+                  <a:t>=</a:t>
+                </a:r>
+                <a:r>
+                  <a:rPr lang="zh-CN" altLang="en-US" b="0" dirty="0"/>
+                  <a:t> </a:t>
+                </a:r>
+                <a14:m>
+                  <m:oMath xmlns:m="http://schemas.openxmlformats.org/officeDocument/2006/math">
+                    <m:f>
+                      <m:fPr>
+                        <m:ctrlPr>
+                          <a:rPr lang="en-US" altLang="zh-CN" b="0" i="1" smtClean="0">
+                            <a:latin typeface="Cambria Math" panose="02040503050406030204" pitchFamily="18" charset="0"/>
+                          </a:rPr>
+                        </m:ctrlPr>
+                      </m:fPr>
+                      <m:num>
+                        <m:r>
+                          <a:rPr lang="en-US" altLang="zh-CN" b="0" i="1" smtClean="0">
+                            <a:latin typeface="Cambria Math" panose="02040503050406030204" pitchFamily="18" charset="0"/>
+                          </a:rPr>
+                          <m:t>1</m:t>
+                        </m:r>
+                      </m:num>
+                      <m:den>
+                        <m:sSub>
+                          <m:sSubPr>
+                            <m:ctrlPr>
+                              <a:rPr lang="en-US" altLang="zh-CN" b="0" i="1" smtClean="0">
+                                <a:latin typeface="Cambria Math" panose="02040503050406030204" pitchFamily="18" charset="0"/>
+                              </a:rPr>
+                            </m:ctrlPr>
+                          </m:sSubPr>
+                          <m:e>
+                            <m:r>
+                              <m:rPr>
+                                <m:sty m:val="p"/>
+                              </m:rPr>
+                              <a:rPr lang="en-US" altLang="zh-CN" i="1">
+                                <a:latin typeface="Cambria Math" panose="02040503050406030204" pitchFamily="18" charset="0"/>
+                              </a:rPr>
+                              <m:t>m</m:t>
+                            </m:r>
+                          </m:e>
+                          <m:sub>
+                            <m:r>
+                              <a:rPr lang="en-US" altLang="zh-CN" b="0" i="1" smtClean="0">
+                                <a:latin typeface="Cambria Math" panose="02040503050406030204" pitchFamily="18" charset="0"/>
+                              </a:rPr>
+                              <m:t>2</m:t>
+                            </m:r>
+                          </m:sub>
+                        </m:sSub>
+                      </m:den>
+                    </m:f>
+                    <m:nary>
+                      <m:naryPr>
+                        <m:chr m:val="∑"/>
+                        <m:ctrlPr>
+                          <a:rPr lang="en-US" altLang="zh-CN" b="0" i="1" smtClean="0">
+                            <a:latin typeface="Cambria Math" panose="02040503050406030204" pitchFamily="18" charset="0"/>
+                          </a:rPr>
+                        </m:ctrlPr>
+                      </m:naryPr>
+                      <m:sub>
+                        <m:r>
+                          <m:rPr>
+                            <m:brk m:alnAt="23"/>
+                          </m:rPr>
+                          <a:rPr lang="en-US" altLang="zh-CN" b="0" i="1" smtClean="0">
+                            <a:latin typeface="Cambria Math" panose="02040503050406030204" pitchFamily="18" charset="0"/>
+                          </a:rPr>
+                          <m:t>𝑗</m:t>
+                        </m:r>
+                        <m:r>
+                          <m:rPr>
+                            <m:brk m:alnAt="23"/>
+                          </m:rPr>
+                          <a:rPr lang="zh-CN" altLang="en-US" b="0" i="1" smtClean="0">
+                            <a:latin typeface="Cambria Math" panose="02040503050406030204" pitchFamily="18" charset="0"/>
+                          </a:rPr>
+                          <m:t> ∈</m:t>
+                        </m:r>
+                        <m:r>
+                          <m:rPr>
+                            <m:brk m:alnAt="23"/>
+                          </m:rPr>
+                          <a:rPr lang="en-US" altLang="zh-CN" b="0" i="1" smtClean="0">
+                            <a:latin typeface="Cambria Math" panose="02040503050406030204" pitchFamily="18" charset="0"/>
+                          </a:rPr>
+                          <m:t>𝑖𝑛𝑐𝑜𝑚𝑒</m:t>
+                        </m:r>
+                        <m:r>
+                          <a:rPr lang="en-US" altLang="zh-CN" b="0" i="1" smtClean="0">
+                            <a:latin typeface="Cambria Math" panose="02040503050406030204" pitchFamily="18" charset="0"/>
+                          </a:rPr>
+                          <m:t>≥5000</m:t>
+                        </m:r>
+                      </m:sub>
+                      <m:sup>
+                        <m:sSub>
+                          <m:sSubPr>
+                            <m:ctrlPr>
+                              <a:rPr lang="en-US" altLang="zh-CN" b="0" i="1" smtClean="0">
+                                <a:latin typeface="Cambria Math" panose="02040503050406030204" pitchFamily="18" charset="0"/>
+                              </a:rPr>
+                            </m:ctrlPr>
+                          </m:sSubPr>
+                          <m:e>
+                            <m:r>
+                              <a:rPr lang="en-US" altLang="zh-CN" b="0" i="1" smtClean="0">
+                                <a:latin typeface="Cambria Math" panose="02040503050406030204" pitchFamily="18" charset="0"/>
+                              </a:rPr>
+                              <m:t>𝑚</m:t>
+                            </m:r>
+                          </m:e>
+                          <m:sub>
+                            <m:r>
+                              <a:rPr lang="en-US" altLang="zh-CN" b="0" i="1" smtClean="0">
+                                <a:latin typeface="Cambria Math" panose="02040503050406030204" pitchFamily="18" charset="0"/>
+                              </a:rPr>
+                              <m:t>2</m:t>
+                            </m:r>
+                          </m:sub>
+                        </m:sSub>
+                      </m:sup>
+                      <m:e>
+                        <m:r>
+                          <a:rPr lang="en-US" altLang="zh-CN" b="0" i="1" smtClean="0">
+                            <a:latin typeface="Cambria Math" panose="02040503050406030204" pitchFamily="18" charset="0"/>
+                          </a:rPr>
+                          <m:t>𝑐𝑎𝑟</m:t>
+                        </m:r>
+                        <m:r>
+                          <a:rPr lang="zh-CN" altLang="en-US" b="0" i="1" smtClean="0">
+                            <a:latin typeface="Cambria Math" panose="02040503050406030204" pitchFamily="18" charset="0"/>
+                          </a:rPr>
+                          <m:t> </m:t>
+                        </m:r>
+                        <m:r>
+                          <a:rPr lang="en-US" altLang="zh-CN" b="0" i="1" smtClean="0">
+                            <a:latin typeface="Cambria Math" panose="02040503050406030204" pitchFamily="18" charset="0"/>
+                          </a:rPr>
+                          <m:t>𝑣𝑎𝑙𝑢</m:t>
+                        </m:r>
+                        <m:sSub>
+                          <m:sSubPr>
+                            <m:ctrlPr>
+                              <a:rPr lang="en-US" altLang="zh-CN" b="0" i="1" smtClean="0">
+                                <a:latin typeface="Cambria Math" panose="02040503050406030204" pitchFamily="18" charset="0"/>
+                              </a:rPr>
+                            </m:ctrlPr>
+                          </m:sSubPr>
+                          <m:e>
+                            <m:r>
+                              <a:rPr lang="en-US" altLang="zh-CN" b="0" i="1" smtClean="0">
+                                <a:latin typeface="Cambria Math" panose="02040503050406030204" pitchFamily="18" charset="0"/>
+                              </a:rPr>
+                              <m:t>𝑒</m:t>
+                            </m:r>
+                          </m:e>
+                          <m:sub>
+                            <m:r>
+                              <a:rPr lang="en-US" altLang="zh-CN" b="0" i="1" smtClean="0">
+                                <a:latin typeface="Cambria Math" panose="02040503050406030204" pitchFamily="18" charset="0"/>
+                              </a:rPr>
+                              <m:t>𝑗</m:t>
+                            </m:r>
+                          </m:sub>
+                        </m:sSub>
+                      </m:e>
+                    </m:nary>
+                  </m:oMath>
+                </a14:m>
+                <a:endParaRPr lang="en-US" dirty="0"/>
+              </a:p>
+            </p:txBody>
+          </p:sp>
+        </mc:Choice>
+        <mc:Fallback>
+          <p:sp>
+            <p:nvSpPr>
+              <p:cNvPr id="18" name="TextBox 17">
+                <a:extLst>
+                  <a:ext uri="{FF2B5EF4-FFF2-40B4-BE49-F238E27FC236}">
+                    <a16:creationId xmlns:a16="http://schemas.microsoft.com/office/drawing/2014/main" id="{BAEBACA4-F033-044E-8699-E8A9161C9DDA}"/>
+                  </a:ext>
+                </a:extLst>
+              </p:cNvPr>
+              <p:cNvSpPr txBox="1">
+                <a:spLocks noRot="1" noChangeAspect="1" noMove="1" noResize="1" noEditPoints="1" noAdjustHandles="1" noChangeArrowheads="1" noChangeShapeType="1" noTextEdit="1"/>
+              </p:cNvSpPr>
+              <p:nvPr/>
+            </p:nvSpPr>
+            <p:spPr>
+              <a:xfrm>
+                <a:off x="6316099" y="3076341"/>
+                <a:ext cx="3632854" cy="425437"/>
+              </a:xfrm>
+              <a:prstGeom prst="rect">
+                <a:avLst/>
+              </a:prstGeom>
+              <a:blipFill>
+                <a:blip r:embed="rId2"/>
+                <a:stretch>
+                  <a:fillRect l="-3833" t="-97059" b="-135294"/>
+                </a:stretch>
+              </a:blipFill>
+            </p:spPr>
+            <p:txBody>
+              <a:bodyPr/>
+              <a:lstStyle/>
+              <a:p>
+                <a:r>
+                  <a:rPr lang="en-US">
+                    <a:noFill/>
+                  </a:rPr>
+                  <a:t> </a:t>
+                </a:r>
+              </a:p>
+            </p:txBody>
+          </p:sp>
+        </mc:Fallback>
+      </mc:AlternateContent>
+      <p:sp>
+        <p:nvSpPr>
+          <p:cNvPr id="24" name="TextBox 23">
+            <a:extLst>
+              <a:ext uri="{FF2B5EF4-FFF2-40B4-BE49-F238E27FC236}">
+                <a16:creationId xmlns:a16="http://schemas.microsoft.com/office/drawing/2014/main" id="{1AB27F02-BFEF-6646-AE72-26E0192B0288}"/>
+              </a:ext>
+            </a:extLst>
+          </p:cNvPr>
+          <p:cNvSpPr txBox="1"/>
+          <p:nvPr/>
+        </p:nvSpPr>
+        <p:spPr>
+          <a:xfrm>
+            <a:off x="3867665" y="2248930"/>
+            <a:ext cx="785683" cy="383059"/>
+          </a:xfrm>
+          <a:prstGeom prst="rect">
+            <a:avLst/>
+          </a:prstGeom>
+          <a:noFill/>
+        </p:spPr>
+        <p:txBody>
+          <a:bodyPr wrap="square" rtlCol="0">
+            <a:spAutoFit/>
+          </a:bodyPr>
+          <a:lstStyle/>
+          <a:p>
+            <a:r>
+              <a:rPr lang="en-US" altLang="zh-CN" dirty="0"/>
+              <a:t>True</a:t>
+            </a:r>
+            <a:endParaRPr lang="en-US" dirty="0"/>
+          </a:p>
+        </p:txBody>
+      </p:sp>
+      <p:sp>
+        <p:nvSpPr>
+          <p:cNvPr id="25" name="TextBox 24">
+            <a:extLst>
+              <a:ext uri="{FF2B5EF4-FFF2-40B4-BE49-F238E27FC236}">
+                <a16:creationId xmlns:a16="http://schemas.microsoft.com/office/drawing/2014/main" id="{1A125223-14DF-FE40-A464-5C7D5868E453}"/>
+              </a:ext>
+            </a:extLst>
+          </p:cNvPr>
+          <p:cNvSpPr txBox="1"/>
+          <p:nvPr/>
+        </p:nvSpPr>
+        <p:spPr>
+          <a:xfrm>
+            <a:off x="6783346" y="2208598"/>
+            <a:ext cx="785683" cy="383059"/>
+          </a:xfrm>
+          <a:prstGeom prst="rect">
+            <a:avLst/>
+          </a:prstGeom>
+          <a:noFill/>
+        </p:spPr>
+        <p:txBody>
+          <a:bodyPr wrap="square" rtlCol="0">
+            <a:spAutoFit/>
+          </a:bodyPr>
+          <a:lstStyle/>
+          <a:p>
+            <a:r>
+              <a:rPr lang="en-US" altLang="zh-CN" dirty="0"/>
+              <a:t>False</a:t>
+            </a:r>
+            <a:endParaRPr lang="en-US" dirty="0"/>
+          </a:p>
+        </p:txBody>
+      </p:sp>
+      <mc:AlternateContent xmlns:mc="http://schemas.openxmlformats.org/markup-compatibility/2006">
+        <mc:Choice xmlns:a14="http://schemas.microsoft.com/office/drawing/2010/main" Requires="a14">
+          <p:sp>
+            <p:nvSpPr>
+              <p:cNvPr id="28" name="Rectangle 27">
+                <a:extLst>
+                  <a:ext uri="{FF2B5EF4-FFF2-40B4-BE49-F238E27FC236}">
+                    <a16:creationId xmlns:a16="http://schemas.microsoft.com/office/drawing/2014/main" id="{C6A6C2B7-86F3-FE40-9E35-E161C451693E}"/>
+                  </a:ext>
+                </a:extLst>
+              </p:cNvPr>
+              <p:cNvSpPr/>
+              <p:nvPr/>
+            </p:nvSpPr>
+            <p:spPr>
+              <a:xfrm>
+                <a:off x="2167432" y="2967305"/>
+                <a:ext cx="3648243" cy="517770"/>
+              </a:xfrm>
+              <a:prstGeom prst="rect">
+                <a:avLst/>
+              </a:prstGeom>
+            </p:spPr>
+            <p:txBody>
+              <a:bodyPr wrap="none">
+                <a:spAutoFit/>
+              </a:bodyPr>
+              <a:lstStyle/>
+              <a:p>
+                <a:r>
+                  <a:rPr lang="en-US" altLang="zh-CN" dirty="0"/>
+                  <a:t>Avg1=</a:t>
+                </a:r>
+                <a:r>
+                  <a:rPr lang="zh-CN" altLang="en-US" dirty="0"/>
+                  <a:t> </a:t>
+                </a:r>
+                <a14:m>
+                  <m:oMath xmlns:m="http://schemas.openxmlformats.org/officeDocument/2006/math">
+                    <m:f>
+                      <m:fPr>
+                        <m:ctrlPr>
+                          <a:rPr lang="en-US" altLang="zh-CN" i="1" smtClean="0">
+                            <a:latin typeface="Cambria Math" panose="02040503050406030204" pitchFamily="18" charset="0"/>
+                          </a:rPr>
+                        </m:ctrlPr>
+                      </m:fPr>
+                      <m:num>
+                        <m:r>
+                          <a:rPr lang="en-US" altLang="zh-CN" i="1">
+                            <a:latin typeface="Cambria Math" panose="02040503050406030204" pitchFamily="18" charset="0"/>
+                          </a:rPr>
+                          <m:t>1</m:t>
+                        </m:r>
+                      </m:num>
+                      <m:den>
+                        <m:sSub>
+                          <m:sSubPr>
+                            <m:ctrlPr>
+                              <a:rPr lang="en-US" altLang="zh-CN" i="1">
+                                <a:latin typeface="Cambria Math" panose="02040503050406030204" pitchFamily="18" charset="0"/>
+                              </a:rPr>
+                            </m:ctrlPr>
+                          </m:sSubPr>
+                          <m:e>
+                            <m:r>
+                              <m:rPr>
+                                <m:sty m:val="p"/>
+                              </m:rPr>
+                              <a:rPr lang="en-US" altLang="zh-CN" i="1">
+                                <a:latin typeface="Cambria Math" panose="02040503050406030204" pitchFamily="18" charset="0"/>
+                              </a:rPr>
+                              <m:t>m</m:t>
+                            </m:r>
+                          </m:e>
+                          <m:sub>
+                            <m:r>
+                              <a:rPr lang="en-US" altLang="zh-CN" b="0" i="1" smtClean="0">
+                                <a:latin typeface="Cambria Math" panose="02040503050406030204" pitchFamily="18" charset="0"/>
+                              </a:rPr>
+                              <m:t>1</m:t>
+                            </m:r>
+                          </m:sub>
+                        </m:sSub>
+                      </m:den>
+                    </m:f>
+                    <m:nary>
+                      <m:naryPr>
+                        <m:chr m:val="∑"/>
+                        <m:ctrlPr>
+                          <a:rPr lang="en-US" altLang="zh-CN" i="1">
+                            <a:latin typeface="Cambria Math" panose="02040503050406030204" pitchFamily="18" charset="0"/>
+                          </a:rPr>
+                        </m:ctrlPr>
+                      </m:naryPr>
+                      <m:sub>
+                        <m:r>
+                          <a:rPr lang="en-US" altLang="zh-CN" b="0" i="1" smtClean="0">
+                            <a:latin typeface="Cambria Math" panose="02040503050406030204" pitchFamily="18" charset="0"/>
+                          </a:rPr>
+                          <m:t>𝑖</m:t>
+                        </m:r>
+                        <m:r>
+                          <m:rPr>
+                            <m:brk m:alnAt="23"/>
+                          </m:rPr>
+                          <a:rPr lang="zh-CN" altLang="en-US" i="1">
+                            <a:latin typeface="Cambria Math" panose="02040503050406030204" pitchFamily="18" charset="0"/>
+                          </a:rPr>
+                          <m:t>∈</m:t>
+                        </m:r>
+                        <m:r>
+                          <a:rPr lang="zh-CN" altLang="en-US" b="0" i="1" smtClean="0">
+                            <a:latin typeface="Cambria Math" panose="02040503050406030204" pitchFamily="18" charset="0"/>
+                          </a:rPr>
+                          <m:t> </m:t>
+                        </m:r>
+                        <m:r>
+                          <m:rPr>
+                            <m:brk m:alnAt="23"/>
+                          </m:rPr>
+                          <a:rPr lang="en-US" altLang="zh-CN" i="1">
+                            <a:latin typeface="Cambria Math" panose="02040503050406030204" pitchFamily="18" charset="0"/>
+                          </a:rPr>
+                          <m:t>𝑖</m:t>
+                        </m:r>
+                        <m:r>
+                          <a:rPr lang="en-US" altLang="zh-CN" i="1">
+                            <a:latin typeface="Cambria Math" panose="02040503050406030204" pitchFamily="18" charset="0"/>
+                          </a:rPr>
+                          <m:t>𝑛𝑐𝑜𝑚𝑒</m:t>
+                        </m:r>
+                        <m:r>
+                          <a:rPr lang="en-US" altLang="zh-CN" i="1">
+                            <a:latin typeface="Cambria Math" panose="02040503050406030204" pitchFamily="18" charset="0"/>
+                          </a:rPr>
+                          <m:t>≥5000</m:t>
+                        </m:r>
+                      </m:sub>
+                      <m:sup>
+                        <m:sSub>
+                          <m:sSubPr>
+                            <m:ctrlPr>
+                              <a:rPr lang="en-US" altLang="zh-CN" i="1">
+                                <a:latin typeface="Cambria Math" panose="02040503050406030204" pitchFamily="18" charset="0"/>
+                              </a:rPr>
+                            </m:ctrlPr>
+                          </m:sSubPr>
+                          <m:e>
+                            <m:r>
+                              <a:rPr lang="en-US" altLang="zh-CN" i="1">
+                                <a:latin typeface="Cambria Math" panose="02040503050406030204" pitchFamily="18" charset="0"/>
+                              </a:rPr>
+                              <m:t>𝑚</m:t>
+                            </m:r>
+                          </m:e>
+                          <m:sub>
+                            <m:r>
+                              <a:rPr lang="en-US" altLang="zh-CN" b="0" i="1" smtClean="0">
+                                <a:latin typeface="Cambria Math" panose="02040503050406030204" pitchFamily="18" charset="0"/>
+                              </a:rPr>
+                              <m:t>1</m:t>
+                            </m:r>
+                          </m:sub>
+                        </m:sSub>
+                      </m:sup>
+                      <m:e>
+                        <m:r>
+                          <a:rPr lang="en-US" altLang="zh-CN" i="1">
+                            <a:latin typeface="Cambria Math" panose="02040503050406030204" pitchFamily="18" charset="0"/>
+                          </a:rPr>
+                          <m:t>𝑐𝑎𝑟</m:t>
+                        </m:r>
+                        <m:r>
+                          <a:rPr lang="zh-CN" altLang="en-US" i="1">
+                            <a:latin typeface="Cambria Math" panose="02040503050406030204" pitchFamily="18" charset="0"/>
+                          </a:rPr>
+                          <m:t> </m:t>
+                        </m:r>
+                        <m:r>
+                          <a:rPr lang="en-US" altLang="zh-CN" i="1">
+                            <a:latin typeface="Cambria Math" panose="02040503050406030204" pitchFamily="18" charset="0"/>
+                          </a:rPr>
+                          <m:t>𝑣𝑎𝑙𝑢</m:t>
+                        </m:r>
+                        <m:sSub>
+                          <m:sSubPr>
+                            <m:ctrlPr>
+                              <a:rPr lang="en-US" altLang="zh-CN" b="0" i="1" smtClean="0">
+                                <a:latin typeface="Cambria Math" panose="02040503050406030204" pitchFamily="18" charset="0"/>
+                              </a:rPr>
+                            </m:ctrlPr>
+                          </m:sSubPr>
+                          <m:e>
+                            <m:r>
+                              <a:rPr lang="en-US" altLang="zh-CN" i="1">
+                                <a:latin typeface="Cambria Math" panose="02040503050406030204" pitchFamily="18" charset="0"/>
+                              </a:rPr>
+                              <m:t>𝑒</m:t>
+                            </m:r>
+                          </m:e>
+                          <m:sub>
+                            <m:r>
+                              <a:rPr lang="en-US" altLang="zh-CN" b="0" i="1" smtClean="0">
+                                <a:latin typeface="Cambria Math" panose="02040503050406030204" pitchFamily="18" charset="0"/>
+                              </a:rPr>
+                              <m:t>𝑖</m:t>
+                            </m:r>
+                          </m:sub>
+                        </m:sSub>
+                      </m:e>
+                    </m:nary>
+                  </m:oMath>
+                </a14:m>
+                <a:endParaRPr lang="en-US" dirty="0"/>
+              </a:p>
+            </p:txBody>
+          </p:sp>
+        </mc:Choice>
+        <mc:Fallback>
+          <p:sp>
+            <p:nvSpPr>
+              <p:cNvPr id="28" name="Rectangle 27">
+                <a:extLst>
+                  <a:ext uri="{FF2B5EF4-FFF2-40B4-BE49-F238E27FC236}">
+                    <a16:creationId xmlns:a16="http://schemas.microsoft.com/office/drawing/2014/main" id="{C6A6C2B7-86F3-FE40-9E35-E161C451693E}"/>
+                  </a:ext>
+                </a:extLst>
+              </p:cNvPr>
+              <p:cNvSpPr>
+                <a:spLocks noRot="1" noChangeAspect="1" noMove="1" noResize="1" noEditPoints="1" noAdjustHandles="1" noChangeArrowheads="1" noChangeShapeType="1" noTextEdit="1"/>
+              </p:cNvSpPr>
+              <p:nvPr/>
+            </p:nvSpPr>
+            <p:spPr>
+              <a:xfrm>
+                <a:off x="2167432" y="2967305"/>
+                <a:ext cx="3648243" cy="517770"/>
+              </a:xfrm>
+              <a:prstGeom prst="rect">
+                <a:avLst/>
+              </a:prstGeom>
+              <a:blipFill>
+                <a:blip r:embed="rId3"/>
+                <a:stretch>
+                  <a:fillRect l="-1389" t="-69048" b="-100000"/>
+                </a:stretch>
+              </a:blipFill>
+            </p:spPr>
+            <p:txBody>
+              <a:bodyPr/>
+              <a:lstStyle/>
+              <a:p>
+                <a:r>
+                  <a:rPr lang="en-US">
+                    <a:noFill/>
+                  </a:rPr>
+                  <a:t> </a:t>
+                </a:r>
+              </a:p>
+            </p:txBody>
+          </p:sp>
+        </mc:Fallback>
+      </mc:AlternateContent>
+      <mc:AlternateContent xmlns:mc="http://schemas.openxmlformats.org/markup-compatibility/2006">
+        <mc:Choice xmlns:a14="http://schemas.microsoft.com/office/drawing/2010/main" Requires="a14">
+          <p:sp>
+            <p:nvSpPr>
+              <p:cNvPr id="36" name="TextBox 35">
+                <a:extLst>
+                  <a:ext uri="{FF2B5EF4-FFF2-40B4-BE49-F238E27FC236}">
+                    <a16:creationId xmlns:a16="http://schemas.microsoft.com/office/drawing/2014/main" id="{7C8149FE-DFB8-4E4F-BA63-A6504B2A56FD}"/>
+                  </a:ext>
+                </a:extLst>
+              </p:cNvPr>
+              <p:cNvSpPr txBox="1"/>
+              <p:nvPr/>
+            </p:nvSpPr>
+            <p:spPr>
+              <a:xfrm>
+                <a:off x="1398086" y="3813261"/>
+                <a:ext cx="9836026" cy="756426"/>
+              </a:xfrm>
+              <a:prstGeom prst="rect">
+                <a:avLst/>
+              </a:prstGeom>
+              <a:noFill/>
+            </p:spPr>
+            <p:txBody>
+              <a:bodyPr wrap="none" lIns="0" tIns="0" rIns="0" bIns="0" rtlCol="0">
+                <a:spAutoFit/>
+              </a:bodyPr>
+              <a:lstStyle/>
+              <a:p>
+                <a14:m>
+                  <m:oMathPara xmlns:m="http://schemas.openxmlformats.org/officeDocument/2006/math">
+                    <m:oMathParaPr>
+                      <m:jc m:val="centerGroup"/>
+                    </m:oMathParaPr>
+                    <m:oMath xmlns:m="http://schemas.openxmlformats.org/officeDocument/2006/math">
+                      <m:r>
+                        <a:rPr lang="en-US" altLang="zh-CN" b="0" i="1" smtClean="0">
+                          <a:latin typeface="Cambria Math" panose="02040503050406030204" pitchFamily="18" charset="0"/>
+                        </a:rPr>
+                        <m:t>𝑆𝑢𝑚</m:t>
+                      </m:r>
+                      <m:r>
+                        <a:rPr lang="zh-CN" altLang="en-US" b="0" i="1" smtClean="0">
+                          <a:latin typeface="Cambria Math" panose="02040503050406030204" pitchFamily="18" charset="0"/>
+                        </a:rPr>
+                        <m:t> </m:t>
+                      </m:r>
+                      <m:r>
+                        <a:rPr lang="en-US" altLang="zh-CN" b="0" i="1" smtClean="0">
+                          <a:latin typeface="Cambria Math" panose="02040503050406030204" pitchFamily="18" charset="0"/>
+                        </a:rPr>
+                        <m:t>𝑜𝑓</m:t>
+                      </m:r>
+                      <m:r>
+                        <a:rPr lang="zh-CN" altLang="en-US" b="0" i="1" smtClean="0">
+                          <a:latin typeface="Cambria Math" panose="02040503050406030204" pitchFamily="18" charset="0"/>
+                        </a:rPr>
+                        <m:t> </m:t>
+                      </m:r>
+                      <m:r>
+                        <a:rPr lang="en-US" altLang="zh-CN" b="0" i="1" smtClean="0">
+                          <a:latin typeface="Cambria Math" panose="02040503050406030204" pitchFamily="18" charset="0"/>
+                        </a:rPr>
+                        <m:t>𝑠𝑞𝑢𝑎𝑟𝑒</m:t>
+                      </m:r>
+                      <m:r>
+                        <a:rPr lang="zh-CN" altLang="en-US" b="0" i="1" smtClean="0">
+                          <a:latin typeface="Cambria Math" panose="02040503050406030204" pitchFamily="18" charset="0"/>
+                        </a:rPr>
+                        <m:t> </m:t>
+                      </m:r>
+                      <m:r>
+                        <a:rPr lang="en-US" altLang="zh-CN" b="0" i="1" smtClean="0">
+                          <a:latin typeface="Cambria Math" panose="02040503050406030204" pitchFamily="18" charset="0"/>
+                        </a:rPr>
+                        <m:t>𝑅𝑒𝑠𝑖𝑑𝑢𝑎𝑙</m:t>
+                      </m:r>
+                      <m:r>
+                        <a:rPr lang="en-US" altLang="zh-CN" b="0" i="1" smtClean="0">
+                          <a:latin typeface="Cambria Math" panose="02040503050406030204" pitchFamily="18" charset="0"/>
+                        </a:rPr>
+                        <m:t>=</m:t>
+                      </m:r>
+                      <m:nary>
+                        <m:naryPr>
+                          <m:chr m:val="∑"/>
+                          <m:ctrlPr>
+                            <a:rPr lang="en-US" altLang="zh-CN" i="1">
+                              <a:latin typeface="Cambria Math" panose="02040503050406030204" pitchFamily="18" charset="0"/>
+                            </a:rPr>
+                          </m:ctrlPr>
+                        </m:naryPr>
+                        <m:sub>
+                          <m:r>
+                            <m:rPr>
+                              <m:brk m:alnAt="23"/>
+                            </m:rPr>
+                            <a:rPr lang="en-US" altLang="zh-CN" i="1">
+                              <a:latin typeface="Cambria Math" panose="02040503050406030204" pitchFamily="18" charset="0"/>
+                            </a:rPr>
+                            <m:t>𝑖</m:t>
+                          </m:r>
+                          <m:r>
+                            <a:rPr lang="en-US" altLang="zh-CN" i="1">
+                              <a:latin typeface="Cambria Math" panose="02040503050406030204" pitchFamily="18" charset="0"/>
+                            </a:rPr>
+                            <m:t>𝑛𝑐𝑜𝑚𝑒</m:t>
+                          </m:r>
+                          <m:r>
+                            <a:rPr lang="en-US" altLang="zh-CN" i="1">
+                              <a:latin typeface="Cambria Math" panose="02040503050406030204" pitchFamily="18" charset="0"/>
+                            </a:rPr>
+                            <m:t>≥5000</m:t>
+                          </m:r>
+                        </m:sub>
+                        <m:sup>
+                          <m:sSub>
+                            <m:sSubPr>
+                              <m:ctrlPr>
+                                <a:rPr lang="en-US" altLang="zh-CN" i="1">
+                                  <a:latin typeface="Cambria Math" panose="02040503050406030204" pitchFamily="18" charset="0"/>
+                                </a:rPr>
+                              </m:ctrlPr>
+                            </m:sSubPr>
+                            <m:e>
+                              <m:r>
+                                <a:rPr lang="en-US" altLang="zh-CN" i="1">
+                                  <a:latin typeface="Cambria Math" panose="02040503050406030204" pitchFamily="18" charset="0"/>
+                                </a:rPr>
+                                <m:t>𝑚</m:t>
+                              </m:r>
+                            </m:e>
+                            <m:sub>
+                              <m:r>
+                                <a:rPr lang="en-US" altLang="zh-CN" i="1">
+                                  <a:latin typeface="Cambria Math" panose="02040503050406030204" pitchFamily="18" charset="0"/>
+                                </a:rPr>
+                                <m:t>1</m:t>
+                              </m:r>
+                            </m:sub>
+                          </m:sSub>
+                        </m:sup>
+                        <m:e>
+                          <m:sSup>
+                            <m:sSupPr>
+                              <m:ctrlPr>
+                                <a:rPr lang="en-US" altLang="zh-CN" b="0" i="1" smtClean="0">
+                                  <a:latin typeface="Cambria Math" panose="02040503050406030204" pitchFamily="18" charset="0"/>
+                                </a:rPr>
+                              </m:ctrlPr>
+                            </m:sSupPr>
+                            <m:e>
+                              <m:d>
+                                <m:dPr>
+                                  <m:ctrlPr>
+                                    <a:rPr lang="en-US" altLang="zh-CN" b="0" i="1" smtClean="0">
+                                      <a:latin typeface="Cambria Math" panose="02040503050406030204" pitchFamily="18" charset="0"/>
+                                    </a:rPr>
+                                  </m:ctrlPr>
+                                </m:dPr>
+                                <m:e>
+                                  <m:r>
+                                    <a:rPr lang="en-US" altLang="zh-CN" i="1">
+                                      <a:latin typeface="Cambria Math" panose="02040503050406030204" pitchFamily="18" charset="0"/>
+                                    </a:rPr>
+                                    <m:t>𝑐𝑎𝑟</m:t>
+                                  </m:r>
+                                  <m:r>
+                                    <a:rPr lang="zh-CN" altLang="en-US" i="1">
+                                      <a:latin typeface="Cambria Math" panose="02040503050406030204" pitchFamily="18" charset="0"/>
+                                    </a:rPr>
+                                    <m:t> </m:t>
+                                  </m:r>
+                                  <m:r>
+                                    <a:rPr lang="en-US" altLang="zh-CN" i="1">
+                                      <a:latin typeface="Cambria Math" panose="02040503050406030204" pitchFamily="18" charset="0"/>
+                                    </a:rPr>
+                                    <m:t>𝑣𝑎𝑙𝑢</m:t>
+                                  </m:r>
+                                  <m:sSub>
+                                    <m:sSubPr>
+                                      <m:ctrlPr>
+                                        <a:rPr lang="en-US" altLang="zh-CN" b="0" i="1" smtClean="0">
+                                          <a:latin typeface="Cambria Math" panose="02040503050406030204" pitchFamily="18" charset="0"/>
+                                        </a:rPr>
+                                      </m:ctrlPr>
+                                    </m:sSubPr>
+                                    <m:e>
+                                      <m:r>
+                                        <a:rPr lang="en-US" altLang="zh-CN" i="1">
+                                          <a:latin typeface="Cambria Math" panose="02040503050406030204" pitchFamily="18" charset="0"/>
+                                        </a:rPr>
+                                        <m:t>𝑒</m:t>
+                                      </m:r>
+                                    </m:e>
+                                    <m:sub>
+                                      <m:r>
+                                        <a:rPr lang="en-US" altLang="zh-CN" b="0" i="1" smtClean="0">
+                                          <a:latin typeface="Cambria Math" panose="02040503050406030204" pitchFamily="18" charset="0"/>
+                                        </a:rPr>
+                                        <m:t>𝑖</m:t>
+                                      </m:r>
+                                    </m:sub>
+                                  </m:sSub>
+                                  <m:r>
+                                    <a:rPr lang="en-US" altLang="zh-CN" b="0" i="1" smtClean="0">
+                                      <a:latin typeface="Cambria Math" panose="02040503050406030204" pitchFamily="18" charset="0"/>
+                                    </a:rPr>
+                                    <m:t>−</m:t>
+                                  </m:r>
+                                  <m:r>
+                                    <a:rPr lang="en-US" altLang="zh-CN" b="0" i="1" smtClean="0">
+                                      <a:latin typeface="Cambria Math" panose="02040503050406030204" pitchFamily="18" charset="0"/>
+                                    </a:rPr>
+                                    <m:t>𝑎𝑣𝑔</m:t>
+                                  </m:r>
+                                  <m:r>
+                                    <a:rPr lang="en-US" altLang="zh-CN" b="0" i="1" smtClean="0">
+                                      <a:latin typeface="Cambria Math" panose="02040503050406030204" pitchFamily="18" charset="0"/>
+                                    </a:rPr>
+                                    <m:t>1</m:t>
+                                  </m:r>
+                                </m:e>
+                              </m:d>
+                            </m:e>
+                            <m:sup>
+                              <m:r>
+                                <a:rPr lang="en-US" altLang="zh-CN" b="0" i="1" smtClean="0">
+                                  <a:latin typeface="Cambria Math" panose="02040503050406030204" pitchFamily="18" charset="0"/>
+                                </a:rPr>
+                                <m:t>2</m:t>
+                              </m:r>
+                            </m:sup>
+                          </m:sSup>
+                          <m:r>
+                            <a:rPr lang="en-US" altLang="zh-CN" b="0" i="1" smtClean="0">
+                              <a:latin typeface="Cambria Math" panose="02040503050406030204" pitchFamily="18" charset="0"/>
+                            </a:rPr>
+                            <m:t>+</m:t>
+                          </m:r>
+                        </m:e>
+                      </m:nary>
+                      <m:nary>
+                        <m:naryPr>
+                          <m:chr m:val="∑"/>
+                          <m:ctrlPr>
+                            <a:rPr lang="en-US" altLang="zh-CN" i="1">
+                              <a:latin typeface="Cambria Math" panose="02040503050406030204" pitchFamily="18" charset="0"/>
+                            </a:rPr>
+                          </m:ctrlPr>
+                        </m:naryPr>
+                        <m:sub>
+                          <m:r>
+                            <m:rPr>
+                              <m:brk m:alnAt="23"/>
+                            </m:rPr>
+                            <a:rPr lang="en-US" altLang="zh-CN" i="1">
+                              <a:latin typeface="Cambria Math" panose="02040503050406030204" pitchFamily="18" charset="0"/>
+                            </a:rPr>
+                            <m:t>𝑖</m:t>
+                          </m:r>
+                          <m:r>
+                            <a:rPr lang="en-US" altLang="zh-CN" i="1">
+                              <a:latin typeface="Cambria Math" panose="02040503050406030204" pitchFamily="18" charset="0"/>
+                            </a:rPr>
+                            <m:t>𝑛𝑐𝑜𝑚𝑒</m:t>
+                          </m:r>
+                          <m:r>
+                            <a:rPr lang="en-US" altLang="zh-CN" i="1">
+                              <a:latin typeface="Cambria Math" panose="02040503050406030204" pitchFamily="18" charset="0"/>
+                            </a:rPr>
+                            <m:t>≥5000</m:t>
+                          </m:r>
+                        </m:sub>
+                        <m:sup>
+                          <m:sSub>
+                            <m:sSubPr>
+                              <m:ctrlPr>
+                                <a:rPr lang="en-US" altLang="zh-CN" i="1">
+                                  <a:latin typeface="Cambria Math" panose="02040503050406030204" pitchFamily="18" charset="0"/>
+                                </a:rPr>
+                              </m:ctrlPr>
+                            </m:sSubPr>
+                            <m:e>
+                              <m:r>
+                                <a:rPr lang="en-US" altLang="zh-CN" i="1">
+                                  <a:latin typeface="Cambria Math" panose="02040503050406030204" pitchFamily="18" charset="0"/>
+                                </a:rPr>
+                                <m:t>𝑚</m:t>
+                              </m:r>
+                            </m:e>
+                            <m:sub>
+                              <m:r>
+                                <a:rPr lang="en-US" altLang="zh-CN" i="1">
+                                  <a:latin typeface="Cambria Math" panose="02040503050406030204" pitchFamily="18" charset="0"/>
+                                </a:rPr>
+                                <m:t>1</m:t>
+                              </m:r>
+                            </m:sub>
+                          </m:sSub>
+                        </m:sup>
+                        <m:e>
+                          <m:sSup>
+                            <m:sSupPr>
+                              <m:ctrlPr>
+                                <a:rPr lang="en-US" altLang="zh-CN" i="1">
+                                  <a:latin typeface="Cambria Math" panose="02040503050406030204" pitchFamily="18" charset="0"/>
+                                </a:rPr>
+                              </m:ctrlPr>
+                            </m:sSupPr>
+                            <m:e>
+                              <m:d>
+                                <m:dPr>
+                                  <m:ctrlPr>
+                                    <a:rPr lang="en-US" altLang="zh-CN" i="1">
+                                      <a:latin typeface="Cambria Math" panose="02040503050406030204" pitchFamily="18" charset="0"/>
+                                    </a:rPr>
+                                  </m:ctrlPr>
+                                </m:dPr>
+                                <m:e>
+                                  <m:r>
+                                    <a:rPr lang="en-US" altLang="zh-CN" i="1">
+                                      <a:latin typeface="Cambria Math" panose="02040503050406030204" pitchFamily="18" charset="0"/>
+                                    </a:rPr>
+                                    <m:t>𝑐𝑎𝑟</m:t>
+                                  </m:r>
+                                  <m:r>
+                                    <a:rPr lang="zh-CN" altLang="en-US" i="1">
+                                      <a:latin typeface="Cambria Math" panose="02040503050406030204" pitchFamily="18" charset="0"/>
+                                    </a:rPr>
+                                    <m:t> </m:t>
+                                  </m:r>
+                                  <m:r>
+                                    <a:rPr lang="en-US" altLang="zh-CN" i="1">
+                                      <a:latin typeface="Cambria Math" panose="02040503050406030204" pitchFamily="18" charset="0"/>
+                                    </a:rPr>
+                                    <m:t>𝑣𝑎𝑙𝑢</m:t>
+                                  </m:r>
+                                  <m:sSub>
+                                    <m:sSubPr>
+                                      <m:ctrlPr>
+                                        <a:rPr lang="en-US" altLang="zh-CN" i="1">
+                                          <a:latin typeface="Cambria Math" panose="02040503050406030204" pitchFamily="18" charset="0"/>
+                                        </a:rPr>
+                                      </m:ctrlPr>
+                                    </m:sSubPr>
+                                    <m:e>
+                                      <m:r>
+                                        <a:rPr lang="en-US" altLang="zh-CN" i="1">
+                                          <a:latin typeface="Cambria Math" panose="02040503050406030204" pitchFamily="18" charset="0"/>
+                                        </a:rPr>
+                                        <m:t>𝑒</m:t>
+                                      </m:r>
+                                    </m:e>
+                                    <m:sub>
+                                      <m:r>
+                                        <a:rPr lang="en-US" altLang="zh-CN" b="0" i="1" smtClean="0">
+                                          <a:latin typeface="Cambria Math" panose="02040503050406030204" pitchFamily="18" charset="0"/>
+                                        </a:rPr>
+                                        <m:t>𝑗</m:t>
+                                      </m:r>
+                                    </m:sub>
+                                  </m:sSub>
+                                  <m:r>
+                                    <a:rPr lang="en-US" altLang="zh-CN" i="1">
+                                      <a:latin typeface="Cambria Math" panose="02040503050406030204" pitchFamily="18" charset="0"/>
+                                    </a:rPr>
+                                    <m:t>−</m:t>
+                                  </m:r>
+                                  <m:r>
+                                    <a:rPr lang="en-US" altLang="zh-CN" i="1">
+                                      <a:latin typeface="Cambria Math" panose="02040503050406030204" pitchFamily="18" charset="0"/>
+                                    </a:rPr>
+                                    <m:t>𝑎𝑣𝑔</m:t>
+                                  </m:r>
+                                  <m:r>
+                                    <a:rPr lang="en-US" altLang="zh-CN" b="0" i="1" smtClean="0">
+                                      <a:latin typeface="Cambria Math" panose="02040503050406030204" pitchFamily="18" charset="0"/>
+                                    </a:rPr>
+                                    <m:t>2</m:t>
+                                  </m:r>
+                                </m:e>
+                              </m:d>
+                            </m:e>
+                            <m:sup>
+                              <m:r>
+                                <a:rPr lang="en-US" altLang="zh-CN" i="1">
+                                  <a:latin typeface="Cambria Math" panose="02040503050406030204" pitchFamily="18" charset="0"/>
+                                </a:rPr>
+                                <m:t>2</m:t>
+                              </m:r>
+                            </m:sup>
+                          </m:sSup>
+                        </m:e>
+                      </m:nary>
+                    </m:oMath>
+                  </m:oMathPara>
+                </a14:m>
+                <a:endParaRPr lang="en-US" dirty="0"/>
+              </a:p>
+            </p:txBody>
+          </p:sp>
+        </mc:Choice>
+        <mc:Fallback>
+          <p:sp>
+            <p:nvSpPr>
+              <p:cNvPr id="36" name="TextBox 35">
+                <a:extLst>
+                  <a:ext uri="{FF2B5EF4-FFF2-40B4-BE49-F238E27FC236}">
+                    <a16:creationId xmlns:a16="http://schemas.microsoft.com/office/drawing/2014/main" id="{7C8149FE-DFB8-4E4F-BA63-A6504B2A56FD}"/>
+                  </a:ext>
+                </a:extLst>
+              </p:cNvPr>
+              <p:cNvSpPr txBox="1">
+                <a:spLocks noRot="1" noChangeAspect="1" noMove="1" noResize="1" noEditPoints="1" noAdjustHandles="1" noChangeArrowheads="1" noChangeShapeType="1" noTextEdit="1"/>
+              </p:cNvSpPr>
+              <p:nvPr/>
+            </p:nvSpPr>
+            <p:spPr>
+              <a:xfrm>
+                <a:off x="1398086" y="3813261"/>
+                <a:ext cx="9836026" cy="756426"/>
+              </a:xfrm>
+              <a:prstGeom prst="rect">
+                <a:avLst/>
+              </a:prstGeom>
+              <a:blipFill>
+                <a:blip r:embed="rId4"/>
+                <a:stretch>
+                  <a:fillRect t="-120000" b="-180000"/>
+                </a:stretch>
+              </a:blipFill>
+            </p:spPr>
+            <p:txBody>
+              <a:bodyPr/>
+              <a:lstStyle/>
+              <a:p>
+                <a:r>
+                  <a:rPr lang="en-US">
+                    <a:noFill/>
+                  </a:rPr>
+                  <a:t> </a:t>
+                </a:r>
+              </a:p>
+            </p:txBody>
+          </p:sp>
+        </mc:Fallback>
+      </mc:AlternateContent>
+    </p:spTree>
+    <p:extLst>
+      <p:ext uri="{BB962C8B-B14F-4D97-AF65-F5344CB8AC3E}">
+        <p14:creationId xmlns:p14="http://schemas.microsoft.com/office/powerpoint/2010/main" val="2445385562"/>
+      </p:ext>
+    </p:extLst>
+  </p:cSld>
+  <p:clrMapOvr>
+    <a:masterClrMapping/>
+  </p:clrMapOvr>
+</p:sld>
+</file>
+
+<file path=ppt/slides/slide9.xml><?xml version="1.0" encoding="utf-8"?>
+<p:sld xmlns:a="http://schemas.openxmlformats.org/drawingml/2006/main" xmlns:r="http://schemas.openxmlformats.org/officeDocument/2006/relationships" xmlns:p="http://schemas.openxmlformats.org/presentationml/2006/main">
+  <p:cSld>
+    <p:spTree>
+      <p:nvGrpSpPr>
+        <p:cNvPr id="1" name=""/>
+        <p:cNvGrpSpPr/>
+        <p:nvPr/>
+      </p:nvGrpSpPr>
+      <p:grpSpPr>
+        <a:xfrm>
+          <a:off x="0" y="0"/>
+          <a:ext cx="0" cy="0"/>
+          <a:chOff x="0" y="0"/>
+          <a:chExt cx="0" cy="0"/>
+        </a:xfrm>
+      </p:grpSpPr>
+      <p:sp>
+        <p:nvSpPr>
+          <p:cNvPr id="4" name="Rectangle 3">
+            <a:extLst>
+              <a:ext uri="{FF2B5EF4-FFF2-40B4-BE49-F238E27FC236}">
+                <a16:creationId xmlns:a16="http://schemas.microsoft.com/office/drawing/2014/main" id="{DCD560A7-4A83-BA43-80B4-075DBE20E6DA}"/>
+              </a:ext>
+            </a:extLst>
+          </p:cNvPr>
+          <p:cNvSpPr/>
+          <p:nvPr/>
+        </p:nvSpPr>
+        <p:spPr>
+          <a:xfrm>
+            <a:off x="4307485" y="3095412"/>
+            <a:ext cx="1475086" cy="716692"/>
+          </a:xfrm>
+          <a:prstGeom prst="rect">
+            <a:avLst/>
+          </a:prstGeom>
+          <a:noFill/>
+          <a:ln>
+            <a:solidFill>
+              <a:srgbClr val="FFC000"/>
+            </a:solidFill>
+          </a:ln>
+        </p:spPr>
+        <p:style>
+          <a:lnRef idx="2">
+            <a:schemeClr val="accent1">
+              <a:shade val="50000"/>
+            </a:schemeClr>
+          </a:lnRef>
+          <a:fillRef idx="1">
+            <a:schemeClr val="accent1"/>
+          </a:fillRef>
+          <a:effectRef idx="0">
+            <a:schemeClr val="accent1"/>
+          </a:effectRef>
+          <a:fontRef idx="minor">
+            <a:schemeClr val="lt1"/>
+          </a:fontRef>
+        </p:style>
+        <p:txBody>
+          <a:bodyPr rtlCol="0" anchor="ctr"/>
+          <a:lstStyle/>
+          <a:p>
+            <a:pPr algn="ctr"/>
+            <a:endParaRPr lang="en-US"/>
+          </a:p>
+        </p:txBody>
+      </p:sp>
+      <p:sp>
+        <p:nvSpPr>
+          <p:cNvPr id="5" name="Rectangle 4">
+            <a:extLst>
+              <a:ext uri="{FF2B5EF4-FFF2-40B4-BE49-F238E27FC236}">
+                <a16:creationId xmlns:a16="http://schemas.microsoft.com/office/drawing/2014/main" id="{EA7A702D-CC8F-1B43-A365-3BEB182BA479}"/>
+              </a:ext>
+            </a:extLst>
+          </p:cNvPr>
+          <p:cNvSpPr/>
+          <p:nvPr/>
+        </p:nvSpPr>
+        <p:spPr>
+          <a:xfrm>
+            <a:off x="3373003" y="4751074"/>
+            <a:ext cx="1069890" cy="716693"/>
+          </a:xfrm>
+          <a:prstGeom prst="rect">
+            <a:avLst/>
+          </a:prstGeom>
+          <a:noFill/>
+          <a:ln>
+            <a:solidFill>
+              <a:srgbClr val="FFC000"/>
+            </a:solidFill>
+          </a:ln>
+        </p:spPr>
+        <p:style>
+          <a:lnRef idx="2">
+            <a:schemeClr val="accent1">
+              <a:shade val="50000"/>
+            </a:schemeClr>
+          </a:lnRef>
+          <a:fillRef idx="1">
+            <a:schemeClr val="accent1"/>
+          </a:fillRef>
+          <a:effectRef idx="0">
+            <a:schemeClr val="accent1"/>
+          </a:effectRef>
+          <a:fontRef idx="minor">
+            <a:schemeClr val="lt1"/>
+          </a:fontRef>
+        </p:style>
+        <p:txBody>
+          <a:bodyPr rtlCol="0" anchor="ctr"/>
+          <a:lstStyle/>
+          <a:p>
+            <a:pPr algn="ctr"/>
+            <a:endParaRPr lang="en-US"/>
+          </a:p>
+        </p:txBody>
+      </p:sp>
+      <p:sp>
+        <p:nvSpPr>
+          <p:cNvPr id="6" name="Rectangle 5">
+            <a:extLst>
+              <a:ext uri="{FF2B5EF4-FFF2-40B4-BE49-F238E27FC236}">
+                <a16:creationId xmlns:a16="http://schemas.microsoft.com/office/drawing/2014/main" id="{7ED945C4-CB67-154C-9296-A90EA3FD4B34}"/>
+              </a:ext>
+            </a:extLst>
+          </p:cNvPr>
+          <p:cNvSpPr/>
+          <p:nvPr/>
+        </p:nvSpPr>
+        <p:spPr>
+          <a:xfrm>
+            <a:off x="5541357" y="4751074"/>
+            <a:ext cx="1442650" cy="716693"/>
+          </a:xfrm>
+          <a:prstGeom prst="rect">
+            <a:avLst/>
+          </a:prstGeom>
+          <a:noFill/>
+          <a:ln>
+            <a:solidFill>
+              <a:srgbClr val="FFC000"/>
+            </a:solidFill>
+          </a:ln>
+        </p:spPr>
+        <p:style>
+          <a:lnRef idx="2">
+            <a:schemeClr val="accent1">
+              <a:shade val="50000"/>
+            </a:schemeClr>
+          </a:lnRef>
+          <a:fillRef idx="1">
+            <a:schemeClr val="accent1"/>
+          </a:fillRef>
+          <a:effectRef idx="0">
+            <a:schemeClr val="accent1"/>
+          </a:effectRef>
+          <a:fontRef idx="minor">
+            <a:schemeClr val="lt1"/>
+          </a:fontRef>
+        </p:style>
+        <p:txBody>
+          <a:bodyPr rtlCol="0" anchor="ctr"/>
+          <a:lstStyle/>
+          <a:p>
+            <a:pPr algn="ctr"/>
+            <a:endParaRPr lang="en-US"/>
+          </a:p>
+        </p:txBody>
+      </p:sp>
+      <p:cxnSp>
+        <p:nvCxnSpPr>
+          <p:cNvPr id="8" name="Straight Arrow Connector 7">
+            <a:extLst>
+              <a:ext uri="{FF2B5EF4-FFF2-40B4-BE49-F238E27FC236}">
+                <a16:creationId xmlns:a16="http://schemas.microsoft.com/office/drawing/2014/main" id="{A0AAB5AB-26B7-E345-98F9-5DC62E31C94D}"/>
+              </a:ext>
+            </a:extLst>
+          </p:cNvPr>
+          <p:cNvCxnSpPr>
+            <a:cxnSpLocks/>
+            <a:endCxn id="5" idx="0"/>
+          </p:cNvCxnSpPr>
+          <p:nvPr/>
+        </p:nvCxnSpPr>
+        <p:spPr>
+          <a:xfrm flipH="1">
+            <a:off x="3907948" y="3850993"/>
+            <a:ext cx="1137080" cy="900081"/>
+          </a:xfrm>
+          <a:prstGeom prst="straightConnector1">
+            <a:avLst/>
+          </a:prstGeom>
+          <a:ln>
+            <a:tailEnd type="triangle"/>
+          </a:ln>
+        </p:spPr>
+        <p:style>
+          <a:lnRef idx="1">
+            <a:schemeClr val="accent1"/>
+          </a:lnRef>
+          <a:fillRef idx="0">
+            <a:schemeClr val="accent1"/>
+          </a:fillRef>
+          <a:effectRef idx="0">
+            <a:schemeClr val="accent1"/>
+          </a:effectRef>
+          <a:fontRef idx="minor">
+            <a:schemeClr val="tx1"/>
+          </a:fontRef>
+        </p:style>
+      </p:cxnSp>
+      <p:cxnSp>
+        <p:nvCxnSpPr>
+          <p:cNvPr id="11" name="Straight Arrow Connector 10">
+            <a:extLst>
+              <a:ext uri="{FF2B5EF4-FFF2-40B4-BE49-F238E27FC236}">
+                <a16:creationId xmlns:a16="http://schemas.microsoft.com/office/drawing/2014/main" id="{DAF4F0BF-8450-1D49-914C-ADC410109631}"/>
+              </a:ext>
+            </a:extLst>
+          </p:cNvPr>
+          <p:cNvCxnSpPr>
+            <a:cxnSpLocks/>
+            <a:endCxn id="6" idx="0"/>
+          </p:cNvCxnSpPr>
+          <p:nvPr/>
+        </p:nvCxnSpPr>
+        <p:spPr>
+          <a:xfrm>
+            <a:off x="5045028" y="3850993"/>
+            <a:ext cx="1217654" cy="900081"/>
+          </a:xfrm>
+          <a:prstGeom prst="straightConnector1">
+            <a:avLst/>
+          </a:prstGeom>
+          <a:ln>
+            <a:tailEnd type="triangle"/>
+          </a:ln>
+        </p:spPr>
+        <p:style>
+          <a:lnRef idx="1">
+            <a:schemeClr val="accent1"/>
+          </a:lnRef>
+          <a:fillRef idx="0">
+            <a:schemeClr val="accent1"/>
+          </a:fillRef>
+          <a:effectRef idx="0">
+            <a:schemeClr val="accent1"/>
+          </a:effectRef>
+          <a:fontRef idx="minor">
+            <a:schemeClr val="tx1"/>
+          </a:fontRef>
+        </p:style>
+      </p:cxnSp>
+      <p:sp>
+        <p:nvSpPr>
+          <p:cNvPr id="15" name="TextBox 14">
+            <a:extLst>
+              <a:ext uri="{FF2B5EF4-FFF2-40B4-BE49-F238E27FC236}">
+                <a16:creationId xmlns:a16="http://schemas.microsoft.com/office/drawing/2014/main" id="{76C7C6A3-D68E-774F-B08F-37A6DAD668A8}"/>
+              </a:ext>
+            </a:extLst>
+          </p:cNvPr>
+          <p:cNvSpPr txBox="1"/>
+          <p:nvPr/>
+        </p:nvSpPr>
+        <p:spPr>
+          <a:xfrm>
+            <a:off x="2067698" y="2986216"/>
+            <a:ext cx="1157416" cy="442784"/>
+          </a:xfrm>
+          <a:prstGeom prst="rect">
+            <a:avLst/>
+          </a:prstGeom>
+          <a:noFill/>
+        </p:spPr>
+        <p:txBody>
+          <a:bodyPr wrap="square" rtlCol="0">
+            <a:spAutoFit/>
+          </a:bodyPr>
+          <a:lstStyle/>
+          <a:p>
+            <a:endParaRPr lang="en-US" dirty="0"/>
+          </a:p>
+        </p:txBody>
+      </p:sp>
+      <p:sp>
+        <p:nvSpPr>
+          <p:cNvPr id="16" name="TextBox 15">
+            <a:extLst>
+              <a:ext uri="{FF2B5EF4-FFF2-40B4-BE49-F238E27FC236}">
+                <a16:creationId xmlns:a16="http://schemas.microsoft.com/office/drawing/2014/main" id="{0598E293-AF40-794D-B54E-5CDA328CF142}"/>
+              </a:ext>
+            </a:extLst>
+          </p:cNvPr>
+          <p:cNvSpPr txBox="1"/>
+          <p:nvPr/>
+        </p:nvSpPr>
+        <p:spPr>
+          <a:xfrm>
+            <a:off x="4412713" y="3204188"/>
+            <a:ext cx="1442651" cy="646331"/>
+          </a:xfrm>
+          <a:prstGeom prst="rect">
+            <a:avLst/>
+          </a:prstGeom>
+          <a:noFill/>
+        </p:spPr>
+        <p:txBody>
+          <a:bodyPr wrap="square" rtlCol="0">
+            <a:spAutoFit/>
+          </a:bodyPr>
+          <a:lstStyle/>
+          <a:p>
+            <a:r>
+              <a:rPr lang="en-US" altLang="zh-CN" dirty="0"/>
+              <a:t>Income</a:t>
+            </a:r>
+            <a:r>
+              <a:rPr lang="zh-CN" altLang="en-US" dirty="0"/>
+              <a:t> </a:t>
+            </a:r>
+            <a:r>
+              <a:rPr lang="en-US" altLang="zh-CN" dirty="0"/>
+              <a:t>&lt;</a:t>
+            </a:r>
+            <a:r>
+              <a:rPr lang="zh-CN" altLang="en-US" dirty="0"/>
+              <a:t> </a:t>
+            </a:r>
+            <a:r>
+              <a:rPr lang="en-US" altLang="zh-CN" dirty="0"/>
+              <a:t>5000</a:t>
+            </a:r>
+            <a:endParaRPr lang="en-US" dirty="0"/>
+          </a:p>
+        </p:txBody>
+      </p:sp>
+      <p:sp>
+        <p:nvSpPr>
+          <p:cNvPr id="18" name="TextBox 17">
+            <a:extLst>
+              <a:ext uri="{FF2B5EF4-FFF2-40B4-BE49-F238E27FC236}">
+                <a16:creationId xmlns:a16="http://schemas.microsoft.com/office/drawing/2014/main" id="{BAEBACA4-F033-044E-8699-E8A9161C9DDA}"/>
+              </a:ext>
+            </a:extLst>
+          </p:cNvPr>
+          <p:cNvSpPr txBox="1"/>
+          <p:nvPr/>
+        </p:nvSpPr>
+        <p:spPr>
+          <a:xfrm>
+            <a:off x="5993153" y="4798995"/>
+            <a:ext cx="758781" cy="553998"/>
+          </a:xfrm>
+          <a:prstGeom prst="rect">
+            <a:avLst/>
+          </a:prstGeom>
+          <a:noFill/>
+        </p:spPr>
+        <p:txBody>
+          <a:bodyPr wrap="square" lIns="0" tIns="0" rIns="0" bIns="0" rtlCol="0">
+            <a:spAutoFit/>
+          </a:bodyPr>
+          <a:lstStyle/>
+          <a:p>
+            <a:r>
+              <a:rPr lang="en-US" altLang="zh-CN" dirty="0"/>
+              <a:t>2000,</a:t>
+            </a:r>
+            <a:r>
+              <a:rPr lang="zh-CN" altLang="en-US" dirty="0"/>
+              <a:t> </a:t>
+            </a:r>
+            <a:r>
+              <a:rPr lang="en-US" altLang="zh-CN" dirty="0"/>
+              <a:t>6000</a:t>
+            </a:r>
+            <a:endParaRPr lang="en-US" dirty="0"/>
+          </a:p>
+        </p:txBody>
+      </p:sp>
+      <p:sp>
+        <p:nvSpPr>
+          <p:cNvPr id="24" name="TextBox 23">
+            <a:extLst>
+              <a:ext uri="{FF2B5EF4-FFF2-40B4-BE49-F238E27FC236}">
+                <a16:creationId xmlns:a16="http://schemas.microsoft.com/office/drawing/2014/main" id="{1AB27F02-BFEF-6646-AE72-26E0192B0288}"/>
+              </a:ext>
+            </a:extLst>
+          </p:cNvPr>
+          <p:cNvSpPr txBox="1"/>
+          <p:nvPr/>
+        </p:nvSpPr>
+        <p:spPr>
+          <a:xfrm>
+            <a:off x="3833416" y="4069608"/>
+            <a:ext cx="785683" cy="383059"/>
+          </a:xfrm>
+          <a:prstGeom prst="rect">
+            <a:avLst/>
+          </a:prstGeom>
+          <a:noFill/>
+        </p:spPr>
+        <p:txBody>
+          <a:bodyPr wrap="square" rtlCol="0">
+            <a:spAutoFit/>
+          </a:bodyPr>
+          <a:lstStyle/>
+          <a:p>
+            <a:r>
+              <a:rPr lang="en-US" altLang="zh-CN" dirty="0"/>
+              <a:t>True</a:t>
+            </a:r>
+            <a:endParaRPr lang="en-US" dirty="0"/>
+          </a:p>
+        </p:txBody>
+      </p:sp>
+      <p:sp>
+        <p:nvSpPr>
+          <p:cNvPr id="25" name="TextBox 24">
+            <a:extLst>
+              <a:ext uri="{FF2B5EF4-FFF2-40B4-BE49-F238E27FC236}">
+                <a16:creationId xmlns:a16="http://schemas.microsoft.com/office/drawing/2014/main" id="{1A125223-14DF-FE40-A464-5C7D5868E453}"/>
+              </a:ext>
+            </a:extLst>
+          </p:cNvPr>
+          <p:cNvSpPr txBox="1"/>
+          <p:nvPr/>
+        </p:nvSpPr>
+        <p:spPr>
+          <a:xfrm>
+            <a:off x="5703158" y="4073504"/>
+            <a:ext cx="785683" cy="383059"/>
+          </a:xfrm>
+          <a:prstGeom prst="rect">
+            <a:avLst/>
+          </a:prstGeom>
+          <a:noFill/>
+        </p:spPr>
+        <p:txBody>
+          <a:bodyPr wrap="square" rtlCol="0">
+            <a:spAutoFit/>
+          </a:bodyPr>
+          <a:lstStyle/>
+          <a:p>
+            <a:r>
+              <a:rPr lang="en-US" altLang="zh-CN" dirty="0"/>
+              <a:t>False</a:t>
+            </a:r>
+            <a:endParaRPr lang="en-US" dirty="0"/>
+          </a:p>
+        </p:txBody>
+      </p:sp>
+      <p:sp>
+        <p:nvSpPr>
+          <p:cNvPr id="28" name="Rectangle 27">
+            <a:extLst>
+              <a:ext uri="{FF2B5EF4-FFF2-40B4-BE49-F238E27FC236}">
+                <a16:creationId xmlns:a16="http://schemas.microsoft.com/office/drawing/2014/main" id="{C6A6C2B7-86F3-FE40-9E35-E161C451693E}"/>
+              </a:ext>
+            </a:extLst>
+          </p:cNvPr>
+          <p:cNvSpPr/>
+          <p:nvPr/>
+        </p:nvSpPr>
+        <p:spPr>
+          <a:xfrm>
+            <a:off x="3558355" y="4859850"/>
+            <a:ext cx="749130" cy="369332"/>
+          </a:xfrm>
+          <a:prstGeom prst="rect">
+            <a:avLst/>
+          </a:prstGeom>
+        </p:spPr>
+        <p:txBody>
+          <a:bodyPr wrap="square">
+            <a:spAutoFit/>
+          </a:bodyPr>
+          <a:lstStyle/>
+          <a:p>
+            <a:r>
+              <a:rPr lang="en-US" altLang="zh-CN" dirty="0"/>
+              <a:t>-8000</a:t>
+            </a:r>
+            <a:endParaRPr lang="en-US" dirty="0"/>
+          </a:p>
+        </p:txBody>
+      </p:sp>
+      <p:graphicFrame>
+        <p:nvGraphicFramePr>
+          <p:cNvPr id="31" name="Table 31">
+            <a:extLst>
+              <a:ext uri="{FF2B5EF4-FFF2-40B4-BE49-F238E27FC236}">
+                <a16:creationId xmlns:a16="http://schemas.microsoft.com/office/drawing/2014/main" id="{E4F67F44-E8B7-BB4F-A10A-2D2389B887C2}"/>
+              </a:ext>
+            </a:extLst>
+          </p:cNvPr>
+          <p:cNvGraphicFramePr>
+            <a:graphicFrameLocks noGrp="1"/>
+          </p:cNvGraphicFramePr>
+          <p:nvPr>
+            <p:extLst>
+              <p:ext uri="{D42A27DB-BD31-4B8C-83A1-F6EECF244321}">
+                <p14:modId xmlns:p14="http://schemas.microsoft.com/office/powerpoint/2010/main" val="1917581568"/>
+              </p:ext>
+            </p:extLst>
+          </p:nvPr>
+        </p:nvGraphicFramePr>
+        <p:xfrm>
+          <a:off x="2379792" y="967593"/>
+          <a:ext cx="5874952" cy="1483360"/>
+        </p:xfrm>
+        <a:graphic>
+          <a:graphicData uri="http://schemas.openxmlformats.org/drawingml/2006/table">
+            <a:tbl>
+              <a:tblPr firstRow="1" bandRow="1">
+                <a:tableStyleId>{5C22544A-7EE6-4342-B048-85BDC9FD1C3A}</a:tableStyleId>
+              </a:tblPr>
+              <a:tblGrid>
+                <a:gridCol w="1468738">
+                  <a:extLst>
+                    <a:ext uri="{9D8B030D-6E8A-4147-A177-3AD203B41FA5}">
+                      <a16:colId xmlns:a16="http://schemas.microsoft.com/office/drawing/2014/main" val="787790372"/>
+                    </a:ext>
+                  </a:extLst>
+                </a:gridCol>
+                <a:gridCol w="1468738">
+                  <a:extLst>
+                    <a:ext uri="{9D8B030D-6E8A-4147-A177-3AD203B41FA5}">
+                      <a16:colId xmlns:a16="http://schemas.microsoft.com/office/drawing/2014/main" val="2516382577"/>
+                    </a:ext>
+                  </a:extLst>
+                </a:gridCol>
+                <a:gridCol w="1468738">
+                  <a:extLst>
+                    <a:ext uri="{9D8B030D-6E8A-4147-A177-3AD203B41FA5}">
+                      <a16:colId xmlns:a16="http://schemas.microsoft.com/office/drawing/2014/main" val="1785740140"/>
+                    </a:ext>
+                  </a:extLst>
+                </a:gridCol>
+                <a:gridCol w="1468738">
+                  <a:extLst>
+                    <a:ext uri="{9D8B030D-6E8A-4147-A177-3AD203B41FA5}">
+                      <a16:colId xmlns:a16="http://schemas.microsoft.com/office/drawing/2014/main" val="1776356046"/>
+                    </a:ext>
+                  </a:extLst>
+                </a:gridCol>
+              </a:tblGrid>
+              <a:tr h="370840">
+                <a:tc>
+                  <a:txBody>
+                    <a:bodyPr/>
+                    <a:lstStyle/>
+                    <a:p>
+                      <a:r>
+                        <a:rPr lang="en-US" altLang="zh-CN" dirty="0"/>
+                        <a:t>Income</a:t>
+                      </a:r>
+                      <a:r>
+                        <a:rPr lang="zh-CN" altLang="en-US" dirty="0"/>
+                        <a:t> </a:t>
+                      </a:r>
+                      <a:endParaRPr lang="en-US" dirty="0"/>
+                    </a:p>
+                  </a:txBody>
+                  <a:tcPr/>
+                </a:tc>
+                <a:tc>
+                  <a:txBody>
+                    <a:bodyPr/>
+                    <a:lstStyle/>
+                    <a:p>
+                      <a:r>
+                        <a:rPr lang="en-US" altLang="zh-CN" dirty="0"/>
+                        <a:t>Car</a:t>
+                      </a:r>
+                      <a:r>
+                        <a:rPr lang="zh-CN" altLang="en-US" dirty="0"/>
+                        <a:t> </a:t>
+                      </a:r>
+                      <a:r>
+                        <a:rPr lang="en-US" altLang="zh-CN" dirty="0"/>
+                        <a:t>Value</a:t>
+                      </a:r>
+                      <a:endParaRPr lang="en-US" dirty="0"/>
+                    </a:p>
+                  </a:txBody>
+                  <a:tcPr/>
+                </a:tc>
+                <a:tc>
+                  <a:txBody>
+                    <a:bodyPr/>
+                    <a:lstStyle/>
+                    <a:p>
+                      <a:r>
+                        <a:rPr lang="en-US" altLang="zh-CN" dirty="0"/>
+                        <a:t>Average</a:t>
+                      </a:r>
+                      <a:endParaRPr lang="en-US" dirty="0"/>
+                    </a:p>
+                  </a:txBody>
+                  <a:tcPr/>
+                </a:tc>
+                <a:tc>
+                  <a:txBody>
+                    <a:bodyPr/>
+                    <a:lstStyle/>
+                    <a:p>
+                      <a:endParaRPr lang="en-US" dirty="0"/>
+                    </a:p>
+                  </a:txBody>
+                  <a:tcPr/>
+                </a:tc>
+                <a:extLst>
+                  <a:ext uri="{0D108BD9-81ED-4DB2-BD59-A6C34878D82A}">
+                    <a16:rowId xmlns:a16="http://schemas.microsoft.com/office/drawing/2014/main" val="4134742865"/>
+                  </a:ext>
+                </a:extLst>
+              </a:tr>
+              <a:tr h="370840">
+                <a:tc>
+                  <a:txBody>
+                    <a:bodyPr/>
+                    <a:lstStyle/>
+                    <a:p>
+                      <a:r>
+                        <a:rPr lang="en-US" altLang="zh-CN" dirty="0"/>
+                        <a:t>6000</a:t>
+                      </a:r>
+                      <a:endParaRPr lang="en-US" dirty="0"/>
+                    </a:p>
+                  </a:txBody>
+                  <a:tcPr/>
+                </a:tc>
+                <a:tc>
+                  <a:txBody>
+                    <a:bodyPr/>
+                    <a:lstStyle/>
+                    <a:p>
+                      <a:r>
+                        <a:rPr lang="en-US" altLang="zh-CN" dirty="0"/>
+                        <a:t>10,000</a:t>
+                      </a:r>
+                      <a:endParaRPr lang="en-US" dirty="0"/>
+                    </a:p>
+                  </a:txBody>
+                  <a:tcPr/>
+                </a:tc>
+                <a:tc>
+                  <a:txBody>
+                    <a:bodyPr/>
+                    <a:lstStyle/>
+                    <a:p>
+                      <a:endParaRPr lang="en-US" dirty="0"/>
+                    </a:p>
+                  </a:txBody>
+                  <a:tcPr/>
+                </a:tc>
+                <a:tc>
+                  <a:txBody>
+                    <a:bodyPr/>
+                    <a:lstStyle/>
+                    <a:p>
+                      <a:r>
+                        <a:rPr lang="en-US" altLang="zh-CN" dirty="0"/>
+                        <a:t>-8,000</a:t>
+                      </a:r>
+                      <a:endParaRPr lang="en-US" dirty="0"/>
+                    </a:p>
+                  </a:txBody>
+                  <a:tcPr/>
+                </a:tc>
+                <a:extLst>
+                  <a:ext uri="{0D108BD9-81ED-4DB2-BD59-A6C34878D82A}">
+                    <a16:rowId xmlns:a16="http://schemas.microsoft.com/office/drawing/2014/main" val="2794941460"/>
+                  </a:ext>
+                </a:extLst>
+              </a:tr>
+              <a:tr h="370840">
+                <a:tc>
+                  <a:txBody>
+                    <a:bodyPr/>
+                    <a:lstStyle/>
+                    <a:p>
+                      <a:r>
+                        <a:rPr lang="en-US" altLang="zh-CN" dirty="0"/>
+                        <a:t>8000</a:t>
+                      </a:r>
+                      <a:endParaRPr lang="en-US" dirty="0"/>
+                    </a:p>
+                  </a:txBody>
+                  <a:tcPr/>
+                </a:tc>
+                <a:tc>
+                  <a:txBody>
+                    <a:bodyPr/>
+                    <a:lstStyle/>
+                    <a:p>
+                      <a:r>
+                        <a:rPr lang="en-US" altLang="zh-CN" dirty="0"/>
+                        <a:t>20,000</a:t>
+                      </a:r>
+                      <a:endParaRPr lang="en-US" dirty="0"/>
+                    </a:p>
+                  </a:txBody>
+                  <a:tcPr/>
+                </a:tc>
+                <a:tc>
+                  <a:txBody>
+                    <a:bodyPr/>
+                    <a:lstStyle/>
+                    <a:p>
+                      <a:r>
+                        <a:rPr lang="en-US" altLang="zh-CN" dirty="0"/>
+                        <a:t>18,000</a:t>
+                      </a:r>
+                      <a:endParaRPr lang="en-US" dirty="0"/>
+                    </a:p>
+                  </a:txBody>
+                  <a:tcPr/>
+                </a:tc>
+                <a:tc>
+                  <a:txBody>
+                    <a:bodyPr/>
+                    <a:lstStyle/>
+                    <a:p>
+                      <a:r>
+                        <a:rPr lang="en-US" altLang="zh-CN" dirty="0"/>
+                        <a:t>2,000</a:t>
+                      </a:r>
+                      <a:endParaRPr lang="en-US" dirty="0"/>
+                    </a:p>
+                  </a:txBody>
+                  <a:tcPr/>
+                </a:tc>
+                <a:extLst>
+                  <a:ext uri="{0D108BD9-81ED-4DB2-BD59-A6C34878D82A}">
+                    <a16:rowId xmlns:a16="http://schemas.microsoft.com/office/drawing/2014/main" val="61464561"/>
+                  </a:ext>
+                </a:extLst>
+              </a:tr>
+              <a:tr h="370840">
+                <a:tc>
+                  <a:txBody>
+                    <a:bodyPr/>
+                    <a:lstStyle/>
+                    <a:p>
+                      <a:r>
+                        <a:rPr lang="en-US" altLang="zh-CN" dirty="0"/>
+                        <a:t>10000</a:t>
+                      </a:r>
+                      <a:endParaRPr lang="en-US" dirty="0"/>
+                    </a:p>
+                  </a:txBody>
+                  <a:tcPr/>
+                </a:tc>
+                <a:tc>
+                  <a:txBody>
+                    <a:bodyPr/>
+                    <a:lstStyle/>
+                    <a:p>
+                      <a:r>
+                        <a:rPr lang="en-US" altLang="zh-CN" dirty="0"/>
+                        <a:t>24,000</a:t>
+                      </a:r>
+                      <a:endParaRPr lang="en-US" dirty="0"/>
+                    </a:p>
+                  </a:txBody>
+                  <a:tcPr/>
+                </a:tc>
+                <a:tc>
+                  <a:txBody>
+                    <a:bodyPr/>
+                    <a:lstStyle/>
+                    <a:p>
+                      <a:endParaRPr lang="en-US" dirty="0"/>
+                    </a:p>
+                  </a:txBody>
+                  <a:tcPr/>
+                </a:tc>
+                <a:tc>
+                  <a:txBody>
+                    <a:bodyPr/>
+                    <a:lstStyle/>
+                    <a:p>
+                      <a:r>
+                        <a:rPr lang="en-US" altLang="zh-CN" dirty="0"/>
+                        <a:t>6,000</a:t>
+                      </a:r>
+                      <a:endParaRPr lang="en-US" dirty="0"/>
+                    </a:p>
+                  </a:txBody>
+                  <a:tcPr/>
+                </a:tc>
+                <a:extLst>
+                  <a:ext uri="{0D108BD9-81ED-4DB2-BD59-A6C34878D82A}">
+                    <a16:rowId xmlns:a16="http://schemas.microsoft.com/office/drawing/2014/main" val="2147845302"/>
+                  </a:ext>
+                </a:extLst>
+              </a:tr>
+            </a:tbl>
+          </a:graphicData>
+        </a:graphic>
+      </p:graphicFrame>
+      <p:sp>
+        <p:nvSpPr>
+          <p:cNvPr id="33" name="TextBox 32">
+            <a:extLst>
+              <a:ext uri="{FF2B5EF4-FFF2-40B4-BE49-F238E27FC236}">
+                <a16:creationId xmlns:a16="http://schemas.microsoft.com/office/drawing/2014/main" id="{64C3897E-7985-264F-BDB4-A568EBFC1340}"/>
+              </a:ext>
+            </a:extLst>
+          </p:cNvPr>
+          <p:cNvSpPr txBox="1"/>
+          <p:nvPr/>
+        </p:nvSpPr>
+        <p:spPr>
+          <a:xfrm>
+            <a:off x="3373003" y="494270"/>
+            <a:ext cx="4053408" cy="369332"/>
+          </a:xfrm>
+          <a:prstGeom prst="rect">
+            <a:avLst/>
+          </a:prstGeom>
+          <a:noFill/>
+        </p:spPr>
+        <p:txBody>
+          <a:bodyPr wrap="square" rtlCol="0">
+            <a:spAutoFit/>
+          </a:bodyPr>
+          <a:lstStyle/>
+          <a:p>
+            <a:r>
+              <a:rPr lang="en-US" altLang="zh-CN" dirty="0"/>
+              <a:t>E.g.</a:t>
+            </a:r>
+            <a:r>
+              <a:rPr lang="zh-CN" altLang="en-US" dirty="0"/>
+              <a:t> </a:t>
+            </a:r>
+            <a:r>
+              <a:rPr lang="en-US" altLang="zh-CN" dirty="0"/>
+              <a:t>Use</a:t>
+            </a:r>
+            <a:r>
+              <a:rPr lang="zh-CN" altLang="en-US" dirty="0"/>
+              <a:t> </a:t>
+            </a:r>
+            <a:r>
+              <a:rPr lang="en-US" altLang="zh-CN" dirty="0"/>
+              <a:t>income</a:t>
+            </a:r>
+            <a:r>
+              <a:rPr lang="zh-CN" altLang="en-US" dirty="0"/>
+              <a:t> </a:t>
+            </a:r>
+            <a:r>
+              <a:rPr lang="en-US" altLang="zh-CN" dirty="0"/>
+              <a:t>to</a:t>
+            </a:r>
+            <a:r>
+              <a:rPr lang="zh-CN" altLang="en-US" dirty="0"/>
+              <a:t> </a:t>
+            </a:r>
+            <a:r>
+              <a:rPr lang="en-US" altLang="zh-CN" dirty="0"/>
+              <a:t>predict</a:t>
+            </a:r>
+            <a:r>
+              <a:rPr lang="zh-CN" altLang="en-US" dirty="0"/>
+              <a:t> </a:t>
+            </a:r>
+            <a:r>
+              <a:rPr lang="en-US" altLang="zh-CN" dirty="0"/>
+              <a:t>car</a:t>
+            </a:r>
+            <a:r>
+              <a:rPr lang="zh-CN" altLang="en-US" dirty="0"/>
+              <a:t> </a:t>
+            </a:r>
+            <a:r>
+              <a:rPr lang="en-US" altLang="zh-CN" dirty="0"/>
+              <a:t>value</a:t>
+            </a:r>
+            <a:endParaRPr lang="en-US" dirty="0"/>
+          </a:p>
+        </p:txBody>
+      </p:sp>
+    </p:spTree>
+    <p:extLst>
+      <p:ext uri="{BB962C8B-B14F-4D97-AF65-F5344CB8AC3E}">
+        <p14:creationId xmlns:p14="http://schemas.microsoft.com/office/powerpoint/2010/main" val="2230318500"/>
       </p:ext>
     </p:extLst>
   </p:cSld>
